--- a/docs/diagrams/TimeTableClassDiagram.pptx
+++ b/docs/diagrams/TimeTableClassDiagram.pptx
@@ -105,6 +105,11 @@
       </a:defRPr>
     </a:lvl9pPr>
   </p:defaultTextStyle>
+  <p:extLst>
+    <p:ext uri="{EFAFB233-063F-42B5-8137-9DF3F51BA10A}">
+      <p15:sldGuideLst xmlns:p15="http://schemas.microsoft.com/office/powerpoint/2012/main"/>
+    </p:ext>
+  </p:extLst>
 </p:presentation>
 </file>
 
@@ -294,7 +299,7 @@
                 </a:solidFill>
               </a:rPr>
               <a:pPr/>
-              <a:t>10/16/2018</a:t>
+              <a:t>11/1/2018</a:t>
             </a:fld>
             <a:endParaRPr lang="en-US">
               <a:solidFill>
@@ -494,7 +499,7 @@
                 </a:solidFill>
               </a:rPr>
               <a:pPr/>
-              <a:t>10/16/2018</a:t>
+              <a:t>11/1/2018</a:t>
             </a:fld>
             <a:endParaRPr lang="en-US">
               <a:solidFill>
@@ -704,7 +709,7 @@
                 </a:solidFill>
               </a:rPr>
               <a:pPr/>
-              <a:t>10/16/2018</a:t>
+              <a:t>11/1/2018</a:t>
             </a:fld>
             <a:endParaRPr lang="en-US">
               <a:solidFill>
@@ -904,7 +909,7 @@
                 </a:solidFill>
               </a:rPr>
               <a:pPr/>
-              <a:t>10/16/2018</a:t>
+              <a:t>11/1/2018</a:t>
             </a:fld>
             <a:endParaRPr lang="en-US">
               <a:solidFill>
@@ -1181,7 +1186,7 @@
                 </a:solidFill>
               </a:rPr>
               <a:pPr/>
-              <a:t>10/16/2018</a:t>
+              <a:t>11/1/2018</a:t>
             </a:fld>
             <a:endParaRPr lang="en-US">
               <a:solidFill>
@@ -1498,7 +1503,7 @@
                 </a:solidFill>
               </a:rPr>
               <a:pPr/>
-              <a:t>10/16/2018</a:t>
+              <a:t>11/1/2018</a:t>
             </a:fld>
             <a:endParaRPr lang="en-US">
               <a:solidFill>
@@ -1949,7 +1954,7 @@
                 </a:solidFill>
               </a:rPr>
               <a:pPr/>
-              <a:t>10/16/2018</a:t>
+              <a:t>11/1/2018</a:t>
             </a:fld>
             <a:endParaRPr lang="en-US">
               <a:solidFill>
@@ -2098,7 +2103,7 @@
                 </a:solidFill>
               </a:rPr>
               <a:pPr/>
-              <a:t>10/16/2018</a:t>
+              <a:t>11/1/2018</a:t>
             </a:fld>
             <a:endParaRPr lang="en-US">
               <a:solidFill>
@@ -2225,7 +2230,7 @@
                 </a:solidFill>
               </a:rPr>
               <a:pPr/>
-              <a:t>10/16/2018</a:t>
+              <a:t>11/1/2018</a:t>
             </a:fld>
             <a:endParaRPr lang="en-US">
               <a:solidFill>
@@ -2532,7 +2537,7 @@
                 </a:solidFill>
               </a:rPr>
               <a:pPr/>
-              <a:t>10/16/2018</a:t>
+              <a:t>11/1/2018</a:t>
             </a:fld>
             <a:endParaRPr lang="en-US">
               <a:solidFill>
@@ -2816,7 +2821,7 @@
                 </a:solidFill>
               </a:rPr>
               <a:pPr/>
-              <a:t>10/16/2018</a:t>
+              <a:t>11/1/2018</a:t>
             </a:fld>
             <a:endParaRPr lang="en-US">
               <a:solidFill>
@@ -3059,7 +3064,7 @@
                 </a:solidFill>
               </a:rPr>
               <a:pPr/>
-              <a:t>10/16/2018</a:t>
+              <a:t>11/1/2018</a:t>
             </a:fld>
             <a:endParaRPr lang="en-US">
               <a:solidFill>
@@ -5329,7 +5334,7 @@
           <p:cNvPr id="52" name="Rectangle 8">
             <a:extLst>
               <a:ext uri="{FF2B5EF4-FFF2-40B4-BE49-F238E27FC236}">
-                <a16:creationId xmlns:a16="http://schemas.microsoft.com/office/drawing/2014/main" xmlns="" id="{ABDCDBD2-131A-4B66-A2F2-43BBEE82C773}"/>
+                <a16:creationId xmlns="" xmlns:a16="http://schemas.microsoft.com/office/drawing/2014/main" id="{ABDCDBD2-131A-4B66-A2F2-43BBEE82C773}"/>
               </a:ext>
             </a:extLst>
           </p:cNvPr>
@@ -5391,7 +5396,7 @@
           <p:cNvPr id="53" name="Elbow Connector 78">
             <a:extLst>
               <a:ext uri="{FF2B5EF4-FFF2-40B4-BE49-F238E27FC236}">
-                <a16:creationId xmlns:a16="http://schemas.microsoft.com/office/drawing/2014/main" xmlns="" id="{B97967F8-618A-448B-81FD-CDFD4AF0EC64}"/>
+                <a16:creationId xmlns="" xmlns:a16="http://schemas.microsoft.com/office/drawing/2014/main" id="{B97967F8-618A-448B-81FD-CDFD4AF0EC64}"/>
               </a:ext>
             </a:extLst>
           </p:cNvPr>
@@ -5441,7 +5446,7 @@
           <p:cNvPr id="50" name="TextBox 49">
             <a:extLst>
               <a:ext uri="{FF2B5EF4-FFF2-40B4-BE49-F238E27FC236}">
-                <a16:creationId xmlns:a16="http://schemas.microsoft.com/office/drawing/2014/main" xmlns="" id="{B3FA9D57-880F-49C4-AD0B-A64E30D6F403}"/>
+                <a16:creationId xmlns="" xmlns:a16="http://schemas.microsoft.com/office/drawing/2014/main" id="{B3FA9D57-880F-49C4-AD0B-A64E30D6F403}"/>
               </a:ext>
             </a:extLst>
           </p:cNvPr>
@@ -5772,8 +5777,8 @@
         </p:nvSpPr>
         <p:spPr>
           <a:xfrm>
-            <a:off x="4539321" y="1307306"/>
-            <a:ext cx="2454275" cy="2433638"/>
+            <a:off x="3900959" y="1397000"/>
+            <a:ext cx="3772930" cy="2491260"/>
           </a:xfrm>
           <a:prstGeom prst="roundRect">
             <a:avLst>
@@ -5825,7 +5830,7 @@
         </p:nvSpPr>
         <p:spPr>
           <a:xfrm>
-            <a:off x="5317855" y="1727237"/>
+            <a:off x="5350806" y="1826091"/>
             <a:ext cx="897208" cy="285783"/>
           </a:xfrm>
           <a:prstGeom prst="rect">
@@ -5881,7 +5886,7 @@
         </p:nvSpPr>
         <p:spPr>
           <a:xfrm>
-            <a:off x="5317855" y="2524125"/>
+            <a:off x="5350806" y="2622979"/>
             <a:ext cx="897208" cy="285783"/>
           </a:xfrm>
           <a:prstGeom prst="rect">
@@ -5937,7 +5942,7 @@
         </p:nvSpPr>
         <p:spPr>
           <a:xfrm>
-            <a:off x="5648934" y="2020565"/>
+            <a:off x="5681885" y="2119419"/>
             <a:ext cx="236048" cy="173380"/>
           </a:xfrm>
           <a:prstGeom prst="flowChartDecision">
@@ -5989,7 +5994,7 @@
         </p:nvCxnSpPr>
         <p:spPr>
           <a:xfrm flipH="1">
-            <a:off x="5766459" y="2193945"/>
+            <a:off x="5799410" y="2292799"/>
             <a:ext cx="499" cy="330180"/>
           </a:xfrm>
           <a:prstGeom prst="straightConnector1">
@@ -6027,7 +6032,7 @@
         </p:nvSpPr>
         <p:spPr>
           <a:xfrm>
-            <a:off x="5766958" y="2259824"/>
+            <a:off x="5799909" y="2358678"/>
             <a:ext cx="189257" cy="178683"/>
           </a:xfrm>
           <a:prstGeom prst="rect">
@@ -6063,7 +6068,7 @@
           <p:cNvPr id="16" name="Elbow Connector 78">
             <a:extLst>
               <a:ext uri="{FF2B5EF4-FFF2-40B4-BE49-F238E27FC236}">
-                <a16:creationId xmlns:a16="http://schemas.microsoft.com/office/drawing/2014/main" xmlns="" id="{B97967F8-618A-448B-81FD-CDFD4AF0EC64}"/>
+                <a16:creationId xmlns="" xmlns:a16="http://schemas.microsoft.com/office/drawing/2014/main" id="{B97967F8-618A-448B-81FD-CDFD4AF0EC64}"/>
               </a:ext>
             </a:extLst>
           </p:cNvPr>
@@ -6076,8 +6081,8 @@
         </p:nvCxnSpPr>
         <p:spPr>
           <a:xfrm rot="5400000">
-            <a:off x="5226508" y="2781061"/>
-            <a:ext cx="511104" cy="568798"/>
+            <a:off x="4930289" y="2550745"/>
+            <a:ext cx="511104" cy="1227138"/>
           </a:xfrm>
           <a:prstGeom prst="bentConnector3">
             <a:avLst>
@@ -6116,7 +6121,7 @@
         </p:nvSpPr>
         <p:spPr>
           <a:xfrm>
-            <a:off x="4749057" y="3321012"/>
+            <a:off x="4123668" y="3419866"/>
             <a:ext cx="897208" cy="285783"/>
           </a:xfrm>
           <a:prstGeom prst="rect">
@@ -6169,7 +6174,7 @@
           <p:cNvPr id="26" name="Elbow Connector 78">
             <a:extLst>
               <a:ext uri="{FF2B5EF4-FFF2-40B4-BE49-F238E27FC236}">
-                <a16:creationId xmlns:a16="http://schemas.microsoft.com/office/drawing/2014/main" xmlns="" id="{B97967F8-618A-448B-81FD-CDFD4AF0EC64}"/>
+                <a16:creationId xmlns="" xmlns:a16="http://schemas.microsoft.com/office/drawing/2014/main" id="{B97967F8-618A-448B-81FD-CDFD4AF0EC64}"/>
               </a:ext>
             </a:extLst>
           </p:cNvPr>
@@ -6182,8 +6187,8 @@
         </p:nvCxnSpPr>
         <p:spPr>
           <a:xfrm rot="16200000" flipH="1">
-            <a:off x="5830087" y="2746280"/>
-            <a:ext cx="511104" cy="638360"/>
+            <a:off x="6162373" y="2545799"/>
+            <a:ext cx="498366" cy="1224292"/>
           </a:xfrm>
           <a:prstGeom prst="bentConnector3">
             <a:avLst>
@@ -6222,7 +6227,7 @@
         </p:nvSpPr>
         <p:spPr>
           <a:xfrm>
-            <a:off x="5956215" y="3321012"/>
+            <a:off x="6575098" y="3407128"/>
             <a:ext cx="897208" cy="285783"/>
           </a:xfrm>
           <a:prstGeom prst="rect">
@@ -6255,12 +6260,12 @@
           <a:p>
             <a:pPr algn="ctr"/>
             <a:r>
-              <a:rPr lang="en-US" sz="1050" dirty="0" err="1" smtClean="0">
+              <a:rPr lang="en-US" sz="1050" dirty="0" smtClean="0">
                 <a:solidFill>
                   <a:srgbClr val="7030A0"/>
                 </a:solidFill>
               </a:rPr>
-              <a:t>LocalTime</a:t>
+              <a:t>Color</a:t>
             </a:r>
             <a:endParaRPr lang="en-SG" sz="1050" dirty="0">
               <a:solidFill>
@@ -6278,7 +6283,7 @@
         </p:nvSpPr>
         <p:spPr>
           <a:xfrm>
-            <a:off x="5188135" y="2899471"/>
+            <a:off x="4572272" y="3164314"/>
             <a:ext cx="189257" cy="178683"/>
           </a:xfrm>
           <a:prstGeom prst="rect">
@@ -6317,7 +6322,7 @@
         </p:nvSpPr>
         <p:spPr>
           <a:xfrm>
-            <a:off x="6240628" y="2899471"/>
+            <a:off x="5617264" y="3160907"/>
             <a:ext cx="189257" cy="178683"/>
           </a:xfrm>
           <a:prstGeom prst="rect">
@@ -6358,7 +6363,7 @@
         </p:nvCxnSpPr>
         <p:spPr>
           <a:xfrm>
-            <a:off x="5766459" y="1405151"/>
+            <a:off x="5799410" y="1504005"/>
             <a:ext cx="0" cy="322086"/>
           </a:xfrm>
           <a:prstGeom prst="straightConnector1">
@@ -6388,6 +6393,149 @@
           </a:fontRef>
         </p:style>
       </p:cxnSp>
+      <p:cxnSp>
+        <p:nvCxnSpPr>
+          <p:cNvPr id="15" name="Elbow Connector 78">
+            <a:extLst>
+              <a:ext uri="{FF2B5EF4-FFF2-40B4-BE49-F238E27FC236}">
+                <a16:creationId xmlns="" xmlns:a16="http://schemas.microsoft.com/office/drawing/2014/main" id="{B97967F8-618A-448B-81FD-CDFD4AF0EC64}"/>
+              </a:ext>
+            </a:extLst>
+          </p:cNvPr>
+          <p:cNvCxnSpPr>
+            <a:cxnSpLocks/>
+            <a:stCxn id="3" idx="2"/>
+            <a:endCxn id="20" idx="0"/>
+          </p:cNvCxnSpPr>
+          <p:nvPr/>
+        </p:nvCxnSpPr>
+        <p:spPr>
+          <a:xfrm flipH="1">
+            <a:off x="5797987" y="2908762"/>
+            <a:ext cx="1423" cy="497582"/>
+          </a:xfrm>
+          <a:prstGeom prst="straightConnector1">
+            <a:avLst/>
+          </a:prstGeom>
+          <a:ln w="19050">
+            <a:solidFill>
+              <a:srgbClr val="7030A0"/>
+            </a:solidFill>
+            <a:headEnd type="none" w="med" len="med"/>
+            <a:tailEnd type="arrow" w="med" len="med"/>
+          </a:ln>
+          <a:effectLst/>
+        </p:spPr>
+        <p:style>
+          <a:lnRef idx="1">
+            <a:schemeClr val="accent2"/>
+          </a:lnRef>
+          <a:fillRef idx="2">
+            <a:schemeClr val="accent2"/>
+          </a:fillRef>
+          <a:effectRef idx="1">
+            <a:schemeClr val="accent2"/>
+          </a:effectRef>
+          <a:fontRef idx="minor">
+            <a:schemeClr val="dk1"/>
+          </a:fontRef>
+        </p:style>
+      </p:cxnSp>
+      <p:sp>
+        <p:nvSpPr>
+          <p:cNvPr id="20" name="Rectangle 8"/>
+          <p:cNvSpPr/>
+          <p:nvPr/>
+        </p:nvSpPr>
+        <p:spPr>
+          <a:xfrm>
+            <a:off x="5349383" y="3406344"/>
+            <a:ext cx="897208" cy="285783"/>
+          </a:xfrm>
+          <a:prstGeom prst="rect">
+            <a:avLst/>
+          </a:prstGeom>
+          <a:ln w="19050">
+            <a:solidFill>
+              <a:srgbClr val="7030A0"/>
+            </a:solidFill>
+          </a:ln>
+          <a:effectLst/>
+        </p:spPr>
+        <p:style>
+          <a:lnRef idx="1">
+            <a:schemeClr val="accent4"/>
+          </a:lnRef>
+          <a:fillRef idx="2">
+            <a:schemeClr val="accent4"/>
+          </a:fillRef>
+          <a:effectRef idx="1">
+            <a:schemeClr val="accent4"/>
+          </a:effectRef>
+          <a:fontRef idx="minor">
+            <a:schemeClr val="dk1"/>
+          </a:fontRef>
+        </p:style>
+        <p:txBody>
+          <a:bodyPr rtlCol="0" anchor="ctr"/>
+          <a:lstStyle/>
+          <a:p>
+            <a:pPr algn="ctr"/>
+            <a:r>
+              <a:rPr lang="en-US" sz="1050" dirty="0" err="1" smtClean="0">
+                <a:solidFill>
+                  <a:srgbClr val="7030A0"/>
+                </a:solidFill>
+              </a:rPr>
+              <a:t>LocalTime</a:t>
+            </a:r>
+            <a:endParaRPr lang="en-SG" sz="1050" dirty="0">
+              <a:solidFill>
+                <a:srgbClr val="7030A0"/>
+              </a:solidFill>
+            </a:endParaRPr>
+          </a:p>
+        </p:txBody>
+      </p:sp>
+      <p:sp>
+        <p:nvSpPr>
+          <p:cNvPr id="24" name="TextBox 23"/>
+          <p:cNvSpPr txBox="1"/>
+          <p:nvPr/>
+        </p:nvSpPr>
+        <p:spPr>
+          <a:xfrm>
+            <a:off x="6848668" y="3158211"/>
+            <a:ext cx="189257" cy="178683"/>
+          </a:xfrm>
+          <a:prstGeom prst="rect">
+            <a:avLst/>
+          </a:prstGeom>
+          <a:noFill/>
+        </p:spPr>
+        <p:txBody>
+          <a:bodyPr wrap="square" lIns="0" tIns="0" rIns="0" bIns="0" rtlCol="0">
+            <a:noAutofit/>
+          </a:bodyPr>
+          <a:lstStyle/>
+          <a:p>
+            <a:pPr algn="ctr"/>
+            <a:r>
+              <a:rPr lang="en-US" sz="1100" dirty="0">
+                <a:solidFill>
+                  <a:srgbClr val="7030A0"/>
+                </a:solidFill>
+              </a:rPr>
+              <a:t>1</a:t>
+            </a:r>
+            <a:endParaRPr lang="en-SG" sz="1100" dirty="0">
+              <a:solidFill>
+                <a:srgbClr val="7030A0"/>
+              </a:solidFill>
+            </a:endParaRPr>
+          </a:p>
+        </p:txBody>
+      </p:sp>
     </p:spTree>
     <p:extLst>
       <p:ext uri="{BB962C8B-B14F-4D97-AF65-F5344CB8AC3E}">

--- a/docs/diagrams/TimeTableClassDiagram.pptx
+++ b/docs/diagrams/TimeTableClassDiagram.pptx
@@ -5,8 +5,7 @@
     <p:sldMasterId id="2147483660" r:id="rId1"/>
   </p:sldMasterIdLst>
   <p:sldIdLst>
-    <p:sldId id="258" r:id="rId2"/>
-    <p:sldId id="259" r:id="rId3"/>
+    <p:sldId id="259" r:id="rId2"/>
   </p:sldIdLst>
   <p:sldSz cx="12192000" cy="6858000"/>
   <p:notesSz cx="6858000" cy="9144000"/>
@@ -299,7 +298,7 @@
                 </a:solidFill>
               </a:rPr>
               <a:pPr/>
-              <a:t>11/1/2018</a:t>
+              <a:t>11/11/2018</a:t>
             </a:fld>
             <a:endParaRPr lang="en-US">
               <a:solidFill>
@@ -499,7 +498,7 @@
                 </a:solidFill>
               </a:rPr>
               <a:pPr/>
-              <a:t>11/1/2018</a:t>
+              <a:t>11/11/2018</a:t>
             </a:fld>
             <a:endParaRPr lang="en-US">
               <a:solidFill>
@@ -709,7 +708,7 @@
                 </a:solidFill>
               </a:rPr>
               <a:pPr/>
-              <a:t>11/1/2018</a:t>
+              <a:t>11/11/2018</a:t>
             </a:fld>
             <a:endParaRPr lang="en-US">
               <a:solidFill>
@@ -909,7 +908,7 @@
                 </a:solidFill>
               </a:rPr>
               <a:pPr/>
-              <a:t>11/1/2018</a:t>
+              <a:t>11/11/2018</a:t>
             </a:fld>
             <a:endParaRPr lang="en-US">
               <a:solidFill>
@@ -1186,7 +1185,7 @@
                 </a:solidFill>
               </a:rPr>
               <a:pPr/>
-              <a:t>11/1/2018</a:t>
+              <a:t>11/11/2018</a:t>
             </a:fld>
             <a:endParaRPr lang="en-US">
               <a:solidFill>
@@ -1503,7 +1502,7 @@
                 </a:solidFill>
               </a:rPr>
               <a:pPr/>
-              <a:t>11/1/2018</a:t>
+              <a:t>11/11/2018</a:t>
             </a:fld>
             <a:endParaRPr lang="en-US">
               <a:solidFill>
@@ -1954,7 +1953,7 @@
                 </a:solidFill>
               </a:rPr>
               <a:pPr/>
-              <a:t>11/1/2018</a:t>
+              <a:t>11/11/2018</a:t>
             </a:fld>
             <a:endParaRPr lang="en-US">
               <a:solidFill>
@@ -2103,7 +2102,7 @@
                 </a:solidFill>
               </a:rPr>
               <a:pPr/>
-              <a:t>11/1/2018</a:t>
+              <a:t>11/11/2018</a:t>
             </a:fld>
             <a:endParaRPr lang="en-US">
               <a:solidFill>
@@ -2230,7 +2229,7 @@
                 </a:solidFill>
               </a:rPr>
               <a:pPr/>
-              <a:t>11/1/2018</a:t>
+              <a:t>11/11/2018</a:t>
             </a:fld>
             <a:endParaRPr lang="en-US">
               <a:solidFill>
@@ -2537,7 +2536,7 @@
                 </a:solidFill>
               </a:rPr>
               <a:pPr/>
-              <a:t>11/1/2018</a:t>
+              <a:t>11/11/2018</a:t>
             </a:fld>
             <a:endParaRPr lang="en-US">
               <a:solidFill>
@@ -2821,7 +2820,7 @@
                 </a:solidFill>
               </a:rPr>
               <a:pPr/>
-              <a:t>11/1/2018</a:t>
+              <a:t>11/11/2018</a:t>
             </a:fld>
             <a:endParaRPr lang="en-US">
               <a:solidFill>
@@ -3064,7 +3063,7 @@
                 </a:solidFill>
               </a:rPr>
               <a:pPr/>
-              <a:t>11/1/2018</a:t>
+              <a:t>11/11/2018</a:t>
             </a:fld>
             <a:endParaRPr lang="en-US">
               <a:solidFill>
@@ -3466,14 +3465,14 @@
       </p:grpSpPr>
       <p:sp>
         <p:nvSpPr>
-          <p:cNvPr id="118" name="Rectangle 65"/>
+          <p:cNvPr id="18" name="Rectangle 65"/>
           <p:cNvSpPr/>
           <p:nvPr/>
         </p:nvSpPr>
         <p:spPr>
           <a:xfrm>
-            <a:off x="2643866" y="1600200"/>
-            <a:ext cx="7566935" cy="3124200"/>
+            <a:off x="3915641" y="1416136"/>
+            <a:ext cx="3729073" cy="2413686"/>
           </a:xfrm>
           <a:prstGeom prst="roundRect">
             <a:avLst>
@@ -3509,2311 +3508,14 @@
           <a:bodyPr rtlCol="0" anchor="t"/>
           <a:lstStyle/>
           <a:p>
-            <a:endParaRPr lang="en-SG" sz="1200" b="1" dirty="0">
-              <a:solidFill>
-                <a:srgbClr val="7030A0"/>
-              </a:solidFill>
-            </a:endParaRPr>
-          </a:p>
-        </p:txBody>
-      </p:sp>
-      <p:sp>
-        <p:nvSpPr>
-          <p:cNvPr id="2" name="Rectangle 8"/>
-          <p:cNvSpPr/>
-          <p:nvPr/>
-        </p:nvSpPr>
-        <p:spPr>
-          <a:xfrm>
-            <a:off x="4401181" y="3463240"/>
-            <a:ext cx="1093635" cy="346760"/>
-          </a:xfrm>
-          <a:prstGeom prst="rect">
-            <a:avLst/>
-          </a:prstGeom>
-          <a:solidFill>
-            <a:srgbClr val="7030A0"/>
-          </a:solidFill>
-          <a:ln w="19050">
-            <a:solidFill>
-              <a:srgbClr val="7030A0"/>
-            </a:solidFill>
-          </a:ln>
-          <a:effectLst/>
-        </p:spPr>
-        <p:style>
-          <a:lnRef idx="1">
-            <a:schemeClr val="accent2"/>
-          </a:lnRef>
-          <a:fillRef idx="2">
-            <a:schemeClr val="accent2"/>
-          </a:fillRef>
-          <a:effectRef idx="1">
-            <a:schemeClr val="accent2"/>
-          </a:effectRef>
-          <a:fontRef idx="minor">
-            <a:schemeClr val="dk1"/>
-          </a:fontRef>
-        </p:style>
-        <p:txBody>
-          <a:bodyPr rtlCol="0" anchor="ctr"/>
-          <a:lstStyle/>
-          <a:p>
-            <a:pPr algn="ctr"/>
-            <a:r>
-              <a:rPr lang="en-US" sz="1050" dirty="0" err="1">
-                <a:solidFill>
-                  <a:prstClr val="white"/>
-                </a:solidFill>
-              </a:rPr>
-              <a:t>UserPref</a:t>
-            </a:r>
-            <a:endParaRPr lang="en-SG" sz="1050" dirty="0">
-              <a:solidFill>
-                <a:prstClr val="white"/>
-              </a:solidFill>
-            </a:endParaRPr>
-          </a:p>
-        </p:txBody>
-      </p:sp>
-      <p:sp>
-        <p:nvSpPr>
-          <p:cNvPr id="9" name="Rectangle 62"/>
-          <p:cNvSpPr/>
-          <p:nvPr/>
-        </p:nvSpPr>
-        <p:spPr>
-          <a:xfrm rot="16200000">
-            <a:off x="3185549" y="3097750"/>
-            <a:ext cx="1093635" cy="346760"/>
-          </a:xfrm>
-          <a:prstGeom prst="rect">
-            <a:avLst/>
-          </a:prstGeom>
-          <a:solidFill>
-            <a:srgbClr val="7030A0"/>
-          </a:solidFill>
-          <a:ln w="19050">
-            <a:solidFill>
-              <a:srgbClr val="7030A0"/>
-            </a:solidFill>
-          </a:ln>
-          <a:effectLst/>
-        </p:spPr>
-        <p:style>
-          <a:lnRef idx="1">
-            <a:schemeClr val="accent2"/>
-          </a:lnRef>
-          <a:fillRef idx="2">
-            <a:schemeClr val="accent2"/>
-          </a:fillRef>
-          <a:effectRef idx="1">
-            <a:schemeClr val="accent2"/>
-          </a:effectRef>
-          <a:fontRef idx="minor">
-            <a:schemeClr val="dk1"/>
-          </a:fontRef>
-        </p:style>
-        <p:txBody>
-          <a:bodyPr rtlCol="0" anchor="ctr"/>
-          <a:lstStyle/>
-          <a:p>
-            <a:pPr algn="ctr"/>
-            <a:r>
-              <a:rPr lang="en-US" sz="1050" dirty="0" err="1">
-                <a:solidFill>
-                  <a:prstClr val="white"/>
-                </a:solidFill>
-              </a:rPr>
-              <a:t>ModelManager</a:t>
-            </a:r>
-            <a:endParaRPr lang="en-SG" sz="1050" dirty="0">
-              <a:solidFill>
-                <a:prstClr val="white"/>
-              </a:solidFill>
-            </a:endParaRPr>
-          </a:p>
-        </p:txBody>
-      </p:sp>
-      <p:cxnSp>
-        <p:nvCxnSpPr>
-          <p:cNvPr id="107" name="Elbow Connector 106"/>
-          <p:cNvCxnSpPr>
-            <a:cxnSpLocks/>
-            <a:stCxn id="9" idx="1"/>
-            <a:endCxn id="62" idx="2"/>
-          </p:cNvCxnSpPr>
-          <p:nvPr/>
-        </p:nvCxnSpPr>
-        <p:spPr>
-          <a:xfrm rot="5400000" flipH="1" flipV="1">
-            <a:off x="5655507" y="1281685"/>
-            <a:ext cx="613122" cy="4459404"/>
-          </a:xfrm>
-          <a:prstGeom prst="bentConnector3">
-            <a:avLst>
-              <a:gd name="adj1" fmla="val -26668"/>
-            </a:avLst>
-          </a:prstGeom>
-          <a:ln w="19050">
-            <a:solidFill>
-              <a:srgbClr val="7030A0"/>
-            </a:solidFill>
-            <a:prstDash val="solid"/>
-            <a:headEnd type="none" w="med" len="med"/>
-            <a:tailEnd type="arrow" w="med" len="med"/>
-          </a:ln>
-          <a:effectLst/>
-        </p:spPr>
-        <p:style>
-          <a:lnRef idx="1">
-            <a:schemeClr val="accent2"/>
-          </a:lnRef>
-          <a:fillRef idx="2">
-            <a:schemeClr val="accent2"/>
-          </a:fillRef>
-          <a:effectRef idx="1">
-            <a:schemeClr val="accent2"/>
-          </a:effectRef>
-          <a:fontRef idx="minor">
-            <a:schemeClr val="dk1"/>
-          </a:fontRef>
-        </p:style>
-      </p:cxnSp>
-      <p:sp>
-        <p:nvSpPr>
-          <p:cNvPr id="119" name="Rectangle 62"/>
-          <p:cNvSpPr/>
-          <p:nvPr/>
-        </p:nvSpPr>
-        <p:spPr>
-          <a:xfrm rot="16200000">
-            <a:off x="2480203" y="2861202"/>
-            <a:ext cx="1093635" cy="346760"/>
-          </a:xfrm>
-          <a:prstGeom prst="rect">
-            <a:avLst/>
-          </a:prstGeom>
-          <a:solidFill>
-            <a:srgbClr val="7030A0"/>
-          </a:solidFill>
-          <a:ln w="19050">
-            <a:solidFill>
-              <a:srgbClr val="7030A0"/>
-            </a:solidFill>
-          </a:ln>
-          <a:effectLst/>
-        </p:spPr>
-        <p:style>
-          <a:lnRef idx="1">
-            <a:schemeClr val="accent2"/>
-          </a:lnRef>
-          <a:fillRef idx="2">
-            <a:schemeClr val="accent2"/>
-          </a:fillRef>
-          <a:effectRef idx="1">
-            <a:schemeClr val="accent2"/>
-          </a:effectRef>
-          <a:fontRef idx="minor">
-            <a:schemeClr val="dk1"/>
-          </a:fontRef>
-        </p:style>
-        <p:txBody>
-          <a:bodyPr rtlCol="0" anchor="ctr"/>
-          <a:lstStyle/>
-          <a:p>
-            <a:pPr algn="ctr"/>
-            <a:r>
-              <a:rPr lang="en-US" sz="1050" dirty="0">
-                <a:solidFill>
-                  <a:prstClr val="white"/>
-                </a:solidFill>
-              </a:rPr>
-              <a:t>&lt;&lt;interface&gt;&gt;</a:t>
-            </a:r>
-          </a:p>
-          <a:p>
-            <a:pPr algn="ctr"/>
-            <a:r>
-              <a:rPr lang="en-US" sz="1050" dirty="0">
-                <a:solidFill>
-                  <a:prstClr val="white"/>
+            <a:r>
+              <a:rPr lang="en-US" sz="1200" b="1" dirty="0">
+                <a:solidFill>
+                  <a:srgbClr val="7030A0"/>
                 </a:solidFill>
               </a:rPr>
               <a:t>Model</a:t>
             </a:r>
-            <a:endParaRPr lang="en-SG" sz="1050" dirty="0">
-              <a:solidFill>
-                <a:prstClr val="white"/>
-              </a:solidFill>
-            </a:endParaRPr>
-          </a:p>
-        </p:txBody>
-      </p:sp>
-      <p:sp>
-        <p:nvSpPr>
-          <p:cNvPr id="120" name="Isosceles Triangle 102"/>
-          <p:cNvSpPr/>
-          <p:nvPr/>
-        </p:nvSpPr>
-        <p:spPr>
-          <a:xfrm rot="16200000">
-            <a:off x="3150910" y="2952292"/>
-            <a:ext cx="270504" cy="175523"/>
-          </a:xfrm>
-          <a:prstGeom prst="triangle">
-            <a:avLst/>
-          </a:prstGeom>
-          <a:solidFill>
-            <a:srgbClr val="7030A0"/>
-          </a:solidFill>
-          <a:ln w="19050">
-            <a:solidFill>
-              <a:srgbClr val="7030A0"/>
-            </a:solidFill>
-          </a:ln>
-          <a:effectLst/>
-        </p:spPr>
-        <p:style>
-          <a:lnRef idx="1">
-            <a:schemeClr val="accent6"/>
-          </a:lnRef>
-          <a:fillRef idx="2">
-            <a:schemeClr val="accent6"/>
-          </a:fillRef>
-          <a:effectRef idx="1">
-            <a:schemeClr val="accent6"/>
-          </a:effectRef>
-          <a:fontRef idx="minor">
-            <a:schemeClr val="dk1"/>
-          </a:fontRef>
-        </p:style>
-        <p:txBody>
-          <a:bodyPr rtlCol="0" anchor="ctr"/>
-          <a:lstStyle/>
-          <a:p>
-            <a:pPr algn="ctr"/>
-            <a:endParaRPr lang="en-SG" sz="1050">
-              <a:solidFill>
-                <a:prstClr val="black"/>
-              </a:solidFill>
-            </a:endParaRPr>
-          </a:p>
-        </p:txBody>
-      </p:sp>
-      <p:cxnSp>
-        <p:nvCxnSpPr>
-          <p:cNvPr id="58" name="Straight Arrow Connector 57"/>
-          <p:cNvCxnSpPr>
-            <a:stCxn id="42" idx="3"/>
-            <a:endCxn id="2" idx="1"/>
-          </p:cNvCxnSpPr>
-          <p:nvPr/>
-        </p:nvCxnSpPr>
-        <p:spPr>
-          <a:xfrm>
-            <a:off x="4133828" y="3636620"/>
-            <a:ext cx="267352" cy="0"/>
-          </a:xfrm>
-          <a:prstGeom prst="straightConnector1">
-            <a:avLst/>
-          </a:prstGeom>
-          <a:ln w="19050">
-            <a:solidFill>
-              <a:srgbClr val="7030A0"/>
-            </a:solidFill>
-            <a:headEnd type="none" w="med" len="med"/>
-            <a:tailEnd type="arrow" w="med" len="med"/>
-          </a:ln>
-          <a:effectLst/>
-        </p:spPr>
-        <p:style>
-          <a:lnRef idx="1">
-            <a:schemeClr val="accent2"/>
-          </a:lnRef>
-          <a:fillRef idx="2">
-            <a:schemeClr val="accent2"/>
-          </a:fillRef>
-          <a:effectRef idx="1">
-            <a:schemeClr val="accent2"/>
-          </a:effectRef>
-          <a:fontRef idx="minor">
-            <a:schemeClr val="dk1"/>
-          </a:fontRef>
-        </p:style>
-      </p:cxnSp>
-      <p:cxnSp>
-        <p:nvCxnSpPr>
-          <p:cNvPr id="75" name="Elbow Connector 122"/>
-          <p:cNvCxnSpPr/>
-          <p:nvPr/>
-        </p:nvCxnSpPr>
-        <p:spPr>
-          <a:xfrm>
-            <a:off x="2434091" y="3040053"/>
-            <a:ext cx="419548" cy="2860"/>
-          </a:xfrm>
-          <a:prstGeom prst="bentConnector3">
-            <a:avLst>
-              <a:gd name="adj1" fmla="val 50000"/>
-            </a:avLst>
-          </a:prstGeom>
-          <a:ln w="19050">
-            <a:solidFill>
-              <a:schemeClr val="bg1">
-                <a:lumMod val="75000"/>
-              </a:schemeClr>
-            </a:solidFill>
-            <a:prstDash val="sysDot"/>
-            <a:headEnd type="none" w="med" len="med"/>
-            <a:tailEnd type="arrow" w="med" len="med"/>
-          </a:ln>
-          <a:effectLst/>
-        </p:spPr>
-        <p:style>
-          <a:lnRef idx="1">
-            <a:schemeClr val="accent2"/>
-          </a:lnRef>
-          <a:fillRef idx="2">
-            <a:schemeClr val="accent2"/>
-          </a:fillRef>
-          <a:effectRef idx="1">
-            <a:schemeClr val="accent2"/>
-          </a:effectRef>
-          <a:fontRef idx="minor">
-            <a:schemeClr val="dk1"/>
-          </a:fontRef>
-        </p:style>
-      </p:cxnSp>
-      <p:cxnSp>
-        <p:nvCxnSpPr>
-          <p:cNvPr id="21" name="Straight Connector 20"/>
-          <p:cNvCxnSpPr>
-            <a:stCxn id="120" idx="3"/>
-          </p:cNvCxnSpPr>
-          <p:nvPr/>
-        </p:nvCxnSpPr>
-        <p:spPr>
-          <a:xfrm flipV="1">
-            <a:off x="3373925" y="3040053"/>
-            <a:ext cx="216105" cy="1"/>
-          </a:xfrm>
-          <a:prstGeom prst="line">
-            <a:avLst/>
-          </a:prstGeom>
-          <a:ln w="19050">
-            <a:solidFill>
-              <a:srgbClr val="7030A0"/>
-            </a:solidFill>
-            <a:prstDash val="sysDot"/>
-            <a:headEnd type="none" w="med" len="med"/>
-            <a:tailEnd type="none" w="med" len="med"/>
-          </a:ln>
-          <a:effectLst/>
-        </p:spPr>
-        <p:style>
-          <a:lnRef idx="1">
-            <a:schemeClr val="accent2"/>
-          </a:lnRef>
-          <a:fillRef idx="2">
-            <a:schemeClr val="accent2"/>
-          </a:fillRef>
-          <a:effectRef idx="1">
-            <a:schemeClr val="accent2"/>
-          </a:effectRef>
-          <a:fontRef idx="minor">
-            <a:schemeClr val="dk1"/>
-          </a:fontRef>
-        </p:style>
-      </p:cxnSp>
-      <p:sp>
-        <p:nvSpPr>
-          <p:cNvPr id="42" name="Flowchart: Decision 96"/>
-          <p:cNvSpPr/>
-          <p:nvPr/>
-        </p:nvSpPr>
-        <p:spPr>
-          <a:xfrm>
-            <a:off x="3897780" y="3549930"/>
-            <a:ext cx="236048" cy="173380"/>
-          </a:xfrm>
-          <a:prstGeom prst="flowChartDecision">
-            <a:avLst/>
-          </a:prstGeom>
-          <a:noFill/>
-          <a:ln w="19050">
-            <a:solidFill>
-              <a:srgbClr val="7030A0"/>
-            </a:solidFill>
-          </a:ln>
-          <a:effectLst/>
-        </p:spPr>
-        <p:style>
-          <a:lnRef idx="1">
-            <a:schemeClr val="accent6"/>
-          </a:lnRef>
-          <a:fillRef idx="2">
-            <a:schemeClr val="accent6"/>
-          </a:fillRef>
-          <a:effectRef idx="1">
-            <a:schemeClr val="accent6"/>
-          </a:effectRef>
-          <a:fontRef idx="minor">
-            <a:schemeClr val="dk1"/>
-          </a:fontRef>
-        </p:style>
-        <p:txBody>
-          <a:bodyPr rtlCol="0" anchor="ctr"/>
-          <a:lstStyle/>
-          <a:p>
-            <a:pPr algn="ctr"/>
-            <a:endParaRPr lang="en-US" sz="1050">
-              <a:solidFill>
-                <a:prstClr val="black"/>
-              </a:solidFill>
-            </a:endParaRPr>
-          </a:p>
-        </p:txBody>
-      </p:sp>
-      <p:sp>
-        <p:nvSpPr>
-          <p:cNvPr id="46" name="Rectangle 8"/>
-          <p:cNvSpPr/>
-          <p:nvPr/>
-        </p:nvSpPr>
-        <p:spPr>
-          <a:xfrm>
-            <a:off x="4349280" y="2846162"/>
-            <a:ext cx="1490560" cy="334856"/>
-          </a:xfrm>
-          <a:prstGeom prst="rect">
-            <a:avLst/>
-          </a:prstGeom>
-          <a:ln w="19050">
-            <a:solidFill>
-              <a:srgbClr val="7030A0"/>
-            </a:solidFill>
-          </a:ln>
-          <a:effectLst/>
-        </p:spPr>
-        <p:style>
-          <a:lnRef idx="1">
-            <a:schemeClr val="accent4"/>
-          </a:lnRef>
-          <a:fillRef idx="2">
-            <a:schemeClr val="accent4"/>
-          </a:fillRef>
-          <a:effectRef idx="1">
-            <a:schemeClr val="accent4"/>
-          </a:effectRef>
-          <a:fontRef idx="minor">
-            <a:schemeClr val="dk1"/>
-          </a:fontRef>
-        </p:style>
-        <p:txBody>
-          <a:bodyPr rtlCol="0" anchor="ctr"/>
-          <a:lstStyle/>
-          <a:p>
-            <a:pPr algn="ctr"/>
-            <a:r>
-              <a:rPr lang="en-US" sz="1050" dirty="0" err="1">
-                <a:solidFill>
-                  <a:srgbClr val="7030A0"/>
-                </a:solidFill>
-              </a:rPr>
-              <a:t>VersionedAddressBook</a:t>
-            </a:r>
-            <a:endParaRPr lang="en-SG" sz="1050" dirty="0">
-              <a:solidFill>
-                <a:srgbClr val="7030A0"/>
-              </a:solidFill>
-            </a:endParaRPr>
-          </a:p>
-        </p:txBody>
-      </p:sp>
-      <p:cxnSp>
-        <p:nvCxnSpPr>
-          <p:cNvPr id="47" name="Straight Arrow Connector 46"/>
-          <p:cNvCxnSpPr>
-            <a:stCxn id="48" idx="3"/>
-            <a:endCxn id="46" idx="1"/>
-          </p:cNvCxnSpPr>
-          <p:nvPr/>
-        </p:nvCxnSpPr>
-        <p:spPr>
-          <a:xfrm>
-            <a:off x="4148360" y="3003034"/>
-            <a:ext cx="200920" cy="10557"/>
-          </a:xfrm>
-          <a:prstGeom prst="straightConnector1">
-            <a:avLst/>
-          </a:prstGeom>
-          <a:ln w="19050">
-            <a:solidFill>
-              <a:srgbClr val="7030A0"/>
-            </a:solidFill>
-            <a:headEnd type="none" w="med" len="med"/>
-            <a:tailEnd type="arrow" w="med" len="med"/>
-          </a:ln>
-          <a:effectLst/>
-        </p:spPr>
-        <p:style>
-          <a:lnRef idx="1">
-            <a:schemeClr val="accent2"/>
-          </a:lnRef>
-          <a:fillRef idx="2">
-            <a:schemeClr val="accent2"/>
-          </a:fillRef>
-          <a:effectRef idx="1">
-            <a:schemeClr val="accent2"/>
-          </a:effectRef>
-          <a:fontRef idx="minor">
-            <a:schemeClr val="dk1"/>
-          </a:fontRef>
-        </p:style>
-      </p:cxnSp>
-      <p:sp>
-        <p:nvSpPr>
-          <p:cNvPr id="48" name="Flowchart: Decision 96"/>
-          <p:cNvSpPr/>
-          <p:nvPr/>
-        </p:nvSpPr>
-        <p:spPr>
-          <a:xfrm>
-            <a:off x="3912312" y="2916343"/>
-            <a:ext cx="236048" cy="173380"/>
-          </a:xfrm>
-          <a:prstGeom prst="flowChartDecision">
-            <a:avLst/>
-          </a:prstGeom>
-          <a:noFill/>
-          <a:ln w="19050">
-            <a:solidFill>
-              <a:srgbClr val="7030A0"/>
-            </a:solidFill>
-          </a:ln>
-          <a:effectLst/>
-        </p:spPr>
-        <p:style>
-          <a:lnRef idx="1">
-            <a:schemeClr val="accent6"/>
-          </a:lnRef>
-          <a:fillRef idx="2">
-            <a:schemeClr val="accent6"/>
-          </a:fillRef>
-          <a:effectRef idx="1">
-            <a:schemeClr val="accent6"/>
-          </a:effectRef>
-          <a:fontRef idx="minor">
-            <a:schemeClr val="dk1"/>
-          </a:fontRef>
-        </p:style>
-        <p:txBody>
-          <a:bodyPr rtlCol="0" anchor="ctr"/>
-          <a:lstStyle/>
-          <a:p>
-            <a:pPr algn="ctr"/>
-            <a:endParaRPr lang="en-US" sz="1050">
-              <a:solidFill>
-                <a:prstClr val="black"/>
-              </a:solidFill>
-            </a:endParaRPr>
-          </a:p>
-        </p:txBody>
-      </p:sp>
-      <p:sp>
-        <p:nvSpPr>
-          <p:cNvPr id="49" name="Rectangle 8"/>
-          <p:cNvSpPr/>
-          <p:nvPr/>
-        </p:nvSpPr>
-        <p:spPr>
-          <a:xfrm>
-            <a:off x="6216651" y="2846162"/>
-            <a:ext cx="1156969" cy="346760"/>
-          </a:xfrm>
-          <a:prstGeom prst="rect">
-            <a:avLst/>
-          </a:prstGeom>
-          <a:ln w="19050">
-            <a:solidFill>
-              <a:srgbClr val="7030A0"/>
-            </a:solidFill>
-          </a:ln>
-          <a:effectLst/>
-        </p:spPr>
-        <p:style>
-          <a:lnRef idx="1">
-            <a:schemeClr val="accent4"/>
-          </a:lnRef>
-          <a:fillRef idx="2">
-            <a:schemeClr val="accent4"/>
-          </a:fillRef>
-          <a:effectRef idx="1">
-            <a:schemeClr val="accent4"/>
-          </a:effectRef>
-          <a:fontRef idx="minor">
-            <a:schemeClr val="dk1"/>
-          </a:fontRef>
-        </p:style>
-        <p:txBody>
-          <a:bodyPr rtlCol="0" anchor="ctr"/>
-          <a:lstStyle/>
-          <a:p>
-            <a:pPr algn="ctr"/>
-            <a:r>
-              <a:rPr lang="en-US" sz="1050" dirty="0" err="1">
-                <a:solidFill>
-                  <a:srgbClr val="7030A0"/>
-                </a:solidFill>
-              </a:rPr>
-              <a:t>UniquePersonList</a:t>
-            </a:r>
-            <a:endParaRPr lang="en-SG" sz="1050" dirty="0">
-              <a:solidFill>
-                <a:srgbClr val="7030A0"/>
-              </a:solidFill>
-            </a:endParaRPr>
-          </a:p>
-        </p:txBody>
-      </p:sp>
-      <p:sp>
-        <p:nvSpPr>
-          <p:cNvPr id="51" name="Flowchart: Decision 96"/>
-          <p:cNvSpPr/>
-          <p:nvPr/>
-        </p:nvSpPr>
-        <p:spPr>
-          <a:xfrm>
-            <a:off x="5848972" y="2920532"/>
-            <a:ext cx="236048" cy="173380"/>
-          </a:xfrm>
-          <a:prstGeom prst="flowChartDecision">
-            <a:avLst/>
-          </a:prstGeom>
-          <a:solidFill>
-            <a:srgbClr val="7030A0"/>
-          </a:solidFill>
-          <a:ln w="19050">
-            <a:solidFill>
-              <a:srgbClr val="7030A0"/>
-            </a:solidFill>
-          </a:ln>
-          <a:effectLst/>
-        </p:spPr>
-        <p:style>
-          <a:lnRef idx="1">
-            <a:schemeClr val="accent6"/>
-          </a:lnRef>
-          <a:fillRef idx="2">
-            <a:schemeClr val="accent6"/>
-          </a:fillRef>
-          <a:effectRef idx="1">
-            <a:schemeClr val="accent6"/>
-          </a:effectRef>
-          <a:fontRef idx="minor">
-            <a:schemeClr val="dk1"/>
-          </a:fontRef>
-        </p:style>
-        <p:txBody>
-          <a:bodyPr rtlCol="0" anchor="ctr"/>
-          <a:lstStyle/>
-          <a:p>
-            <a:pPr algn="ctr"/>
-            <a:endParaRPr lang="en-US" sz="1050">
-              <a:solidFill>
-                <a:prstClr val="black"/>
-              </a:solidFill>
-            </a:endParaRPr>
-          </a:p>
-        </p:txBody>
-      </p:sp>
-      <p:sp>
-        <p:nvSpPr>
-          <p:cNvPr id="62" name="Rectangle 8"/>
-          <p:cNvSpPr/>
-          <p:nvPr/>
-        </p:nvSpPr>
-        <p:spPr>
-          <a:xfrm>
-            <a:off x="7837677" y="2858066"/>
-            <a:ext cx="708186" cy="346760"/>
-          </a:xfrm>
-          <a:prstGeom prst="rect">
-            <a:avLst/>
-          </a:prstGeom>
-          <a:ln w="19050">
-            <a:solidFill>
-              <a:srgbClr val="7030A0"/>
-            </a:solidFill>
-          </a:ln>
-          <a:effectLst/>
-        </p:spPr>
-        <p:style>
-          <a:lnRef idx="1">
-            <a:schemeClr val="accent4"/>
-          </a:lnRef>
-          <a:fillRef idx="2">
-            <a:schemeClr val="accent4"/>
-          </a:fillRef>
-          <a:effectRef idx="1">
-            <a:schemeClr val="accent4"/>
-          </a:effectRef>
-          <a:fontRef idx="minor">
-            <a:schemeClr val="dk1"/>
-          </a:fontRef>
-        </p:style>
-        <p:txBody>
-          <a:bodyPr rtlCol="0" anchor="ctr"/>
-          <a:lstStyle/>
-          <a:p>
-            <a:pPr algn="ctr"/>
-            <a:r>
-              <a:rPr lang="en-US" sz="1050" dirty="0">
-                <a:solidFill>
-                  <a:srgbClr val="7030A0"/>
-                </a:solidFill>
-              </a:rPr>
-              <a:t>Person</a:t>
-            </a:r>
-            <a:endParaRPr lang="en-SG" sz="1050" dirty="0">
-              <a:solidFill>
-                <a:srgbClr val="7030A0"/>
-              </a:solidFill>
-            </a:endParaRPr>
-          </a:p>
-        </p:txBody>
-      </p:sp>
-      <p:sp>
-        <p:nvSpPr>
-          <p:cNvPr id="63" name="Flowchart: Decision 96"/>
-          <p:cNvSpPr/>
-          <p:nvPr/>
-        </p:nvSpPr>
-        <p:spPr>
-          <a:xfrm>
-            <a:off x="7382751" y="2941676"/>
-            <a:ext cx="236048" cy="173380"/>
-          </a:xfrm>
-          <a:prstGeom prst="flowChartDecision">
-            <a:avLst/>
-          </a:prstGeom>
-          <a:noFill/>
-          <a:ln w="19050">
-            <a:solidFill>
-              <a:srgbClr val="7030A0"/>
-            </a:solidFill>
-          </a:ln>
-          <a:effectLst/>
-        </p:spPr>
-        <p:style>
-          <a:lnRef idx="1">
-            <a:schemeClr val="accent6"/>
-          </a:lnRef>
-          <a:fillRef idx="2">
-            <a:schemeClr val="accent6"/>
-          </a:fillRef>
-          <a:effectRef idx="1">
-            <a:schemeClr val="accent6"/>
-          </a:effectRef>
-          <a:fontRef idx="minor">
-            <a:schemeClr val="dk1"/>
-          </a:fontRef>
-        </p:style>
-        <p:txBody>
-          <a:bodyPr rtlCol="0" anchor="ctr"/>
-          <a:lstStyle/>
-          <a:p>
-            <a:pPr algn="ctr"/>
-            <a:endParaRPr lang="en-US" sz="1050">
-              <a:solidFill>
-                <a:prstClr val="black"/>
-              </a:solidFill>
-            </a:endParaRPr>
-          </a:p>
-        </p:txBody>
-      </p:sp>
-      <p:cxnSp>
-        <p:nvCxnSpPr>
-          <p:cNvPr id="64" name="Elbow Connector 63"/>
-          <p:cNvCxnSpPr>
-            <a:stCxn id="63" idx="3"/>
-            <a:endCxn id="62" idx="1"/>
-          </p:cNvCxnSpPr>
-          <p:nvPr/>
-        </p:nvCxnSpPr>
-        <p:spPr>
-          <a:xfrm>
-            <a:off x="7618799" y="3028366"/>
-            <a:ext cx="218878" cy="3080"/>
-          </a:xfrm>
-          <a:prstGeom prst="bentConnector3">
-            <a:avLst/>
-          </a:prstGeom>
-          <a:ln w="19050">
-            <a:solidFill>
-              <a:srgbClr val="7030A0"/>
-            </a:solidFill>
-            <a:headEnd type="none" w="med" len="med"/>
-            <a:tailEnd type="arrow" w="med" len="med"/>
-          </a:ln>
-          <a:effectLst/>
-        </p:spPr>
-        <p:style>
-          <a:lnRef idx="1">
-            <a:schemeClr val="accent2"/>
-          </a:lnRef>
-          <a:fillRef idx="2">
-            <a:schemeClr val="accent2"/>
-          </a:fillRef>
-          <a:effectRef idx="1">
-            <a:schemeClr val="accent2"/>
-          </a:effectRef>
-          <a:fontRef idx="minor">
-            <a:schemeClr val="dk1"/>
-          </a:fontRef>
-        </p:style>
-      </p:cxnSp>
-      <p:sp>
-        <p:nvSpPr>
-          <p:cNvPr id="76" name="Rectangle 8"/>
-          <p:cNvSpPr/>
-          <p:nvPr/>
-        </p:nvSpPr>
-        <p:spPr>
-          <a:xfrm>
-            <a:off x="9236397" y="2564239"/>
-            <a:ext cx="822003" cy="285783"/>
-          </a:xfrm>
-          <a:prstGeom prst="rect">
-            <a:avLst/>
-          </a:prstGeom>
-          <a:ln w="19050">
-            <a:solidFill>
-              <a:srgbClr val="7030A0"/>
-            </a:solidFill>
-          </a:ln>
-          <a:effectLst/>
-        </p:spPr>
-        <p:style>
-          <a:lnRef idx="1">
-            <a:schemeClr val="accent4"/>
-          </a:lnRef>
-          <a:fillRef idx="2">
-            <a:schemeClr val="accent4"/>
-          </a:fillRef>
-          <a:effectRef idx="1">
-            <a:schemeClr val="accent4"/>
-          </a:effectRef>
-          <a:fontRef idx="minor">
-            <a:schemeClr val="dk1"/>
-          </a:fontRef>
-        </p:style>
-        <p:txBody>
-          <a:bodyPr rtlCol="0" anchor="ctr"/>
-          <a:lstStyle/>
-          <a:p>
-            <a:pPr algn="ctr"/>
-            <a:r>
-              <a:rPr lang="en-US" sz="1050" dirty="0">
-                <a:solidFill>
-                  <a:srgbClr val="7030A0"/>
-                </a:solidFill>
-              </a:rPr>
-              <a:t>Name</a:t>
-            </a:r>
-            <a:endParaRPr lang="en-SG" sz="1050" dirty="0">
-              <a:solidFill>
-                <a:srgbClr val="7030A0"/>
-              </a:solidFill>
-            </a:endParaRPr>
-          </a:p>
-        </p:txBody>
-      </p:sp>
-      <p:sp>
-        <p:nvSpPr>
-          <p:cNvPr id="78" name="Flowchart: Decision 96"/>
-          <p:cNvSpPr/>
-          <p:nvPr/>
-        </p:nvSpPr>
-        <p:spPr>
-          <a:xfrm>
-            <a:off x="8565947" y="2948201"/>
-            <a:ext cx="236048" cy="173380"/>
-          </a:xfrm>
-          <a:prstGeom prst="flowChartDecision">
-            <a:avLst/>
-          </a:prstGeom>
-          <a:solidFill>
-            <a:srgbClr val="7030A0"/>
-          </a:solidFill>
-          <a:ln w="19050">
-            <a:solidFill>
-              <a:srgbClr val="7030A0"/>
-            </a:solidFill>
-          </a:ln>
-          <a:effectLst/>
-        </p:spPr>
-        <p:style>
-          <a:lnRef idx="1">
-            <a:schemeClr val="accent6"/>
-          </a:lnRef>
-          <a:fillRef idx="2">
-            <a:schemeClr val="accent6"/>
-          </a:fillRef>
-          <a:effectRef idx="1">
-            <a:schemeClr val="accent6"/>
-          </a:effectRef>
-          <a:fontRef idx="minor">
-            <a:schemeClr val="dk1"/>
-          </a:fontRef>
-        </p:style>
-        <p:txBody>
-          <a:bodyPr rtlCol="0" anchor="ctr"/>
-          <a:lstStyle/>
-          <a:p>
-            <a:pPr algn="ctr"/>
-            <a:endParaRPr lang="en-US" sz="1050">
-              <a:solidFill>
-                <a:prstClr val="black"/>
-              </a:solidFill>
-            </a:endParaRPr>
-          </a:p>
-        </p:txBody>
-      </p:sp>
-      <p:cxnSp>
-        <p:nvCxnSpPr>
-          <p:cNvPr id="79" name="Elbow Connector 78"/>
-          <p:cNvCxnSpPr>
-            <a:cxnSpLocks/>
-          </p:cNvCxnSpPr>
-          <p:nvPr/>
-        </p:nvCxnSpPr>
-        <p:spPr>
-          <a:xfrm flipV="1">
-            <a:off x="8801995" y="2706822"/>
-            <a:ext cx="434402" cy="327761"/>
-          </a:xfrm>
-          <a:prstGeom prst="bentConnector3">
-            <a:avLst/>
-          </a:prstGeom>
-          <a:ln w="19050">
-            <a:solidFill>
-              <a:srgbClr val="7030A0"/>
-            </a:solidFill>
-            <a:headEnd type="none" w="med" len="med"/>
-            <a:tailEnd type="arrow" w="med" len="med"/>
-          </a:ln>
-          <a:effectLst/>
-        </p:spPr>
-        <p:style>
-          <a:lnRef idx="1">
-            <a:schemeClr val="accent2"/>
-          </a:lnRef>
-          <a:fillRef idx="2">
-            <a:schemeClr val="accent2"/>
-          </a:fillRef>
-          <a:effectRef idx="1">
-            <a:schemeClr val="accent2"/>
-          </a:effectRef>
-          <a:fontRef idx="minor">
-            <a:schemeClr val="dk1"/>
-          </a:fontRef>
-        </p:style>
-      </p:cxnSp>
-      <p:sp>
-        <p:nvSpPr>
-          <p:cNvPr id="80" name="Rectangle 8"/>
-          <p:cNvSpPr/>
-          <p:nvPr/>
-        </p:nvSpPr>
-        <p:spPr>
-          <a:xfrm>
-            <a:off x="9236397" y="2887217"/>
-            <a:ext cx="822003" cy="285783"/>
-          </a:xfrm>
-          <a:prstGeom prst="rect">
-            <a:avLst/>
-          </a:prstGeom>
-          <a:ln w="19050">
-            <a:solidFill>
-              <a:srgbClr val="7030A0"/>
-            </a:solidFill>
-          </a:ln>
-          <a:effectLst/>
-        </p:spPr>
-        <p:style>
-          <a:lnRef idx="1">
-            <a:schemeClr val="accent4"/>
-          </a:lnRef>
-          <a:fillRef idx="2">
-            <a:schemeClr val="accent4"/>
-          </a:fillRef>
-          <a:effectRef idx="1">
-            <a:schemeClr val="accent4"/>
-          </a:effectRef>
-          <a:fontRef idx="minor">
-            <a:schemeClr val="dk1"/>
-          </a:fontRef>
-        </p:style>
-        <p:txBody>
-          <a:bodyPr rtlCol="0" anchor="ctr"/>
-          <a:lstStyle/>
-          <a:p>
-            <a:pPr algn="ctr"/>
-            <a:r>
-              <a:rPr lang="en-US" sz="1050" dirty="0">
-                <a:solidFill>
-                  <a:srgbClr val="7030A0"/>
-                </a:solidFill>
-              </a:rPr>
-              <a:t>Phone</a:t>
-            </a:r>
-            <a:endParaRPr lang="en-SG" sz="1050" dirty="0">
-              <a:solidFill>
-                <a:srgbClr val="7030A0"/>
-              </a:solidFill>
-            </a:endParaRPr>
-          </a:p>
-        </p:txBody>
-      </p:sp>
-      <p:cxnSp>
-        <p:nvCxnSpPr>
-          <p:cNvPr id="81" name="Elbow Connector 80"/>
-          <p:cNvCxnSpPr>
-            <a:stCxn id="78" idx="3"/>
-            <a:endCxn id="80" idx="1"/>
-          </p:cNvCxnSpPr>
-          <p:nvPr/>
-        </p:nvCxnSpPr>
-        <p:spPr>
-          <a:xfrm flipV="1">
-            <a:off x="8801996" y="3030109"/>
-            <a:ext cx="434401" cy="4783"/>
-          </a:xfrm>
-          <a:prstGeom prst="bentConnector3">
-            <a:avLst/>
-          </a:prstGeom>
-          <a:ln w="19050">
-            <a:solidFill>
-              <a:srgbClr val="7030A0"/>
-            </a:solidFill>
-            <a:headEnd type="none" w="med" len="med"/>
-            <a:tailEnd type="arrow" w="med" len="med"/>
-          </a:ln>
-          <a:effectLst/>
-        </p:spPr>
-        <p:style>
-          <a:lnRef idx="1">
-            <a:schemeClr val="accent2"/>
-          </a:lnRef>
-          <a:fillRef idx="2">
-            <a:schemeClr val="accent2"/>
-          </a:fillRef>
-          <a:effectRef idx="1">
-            <a:schemeClr val="accent2"/>
-          </a:effectRef>
-          <a:fontRef idx="minor">
-            <a:schemeClr val="dk1"/>
-          </a:fontRef>
-        </p:style>
-      </p:cxnSp>
-      <p:sp>
-        <p:nvSpPr>
-          <p:cNvPr id="83" name="Rectangle 8"/>
-          <p:cNvSpPr/>
-          <p:nvPr/>
-        </p:nvSpPr>
-        <p:spPr>
-          <a:xfrm>
-            <a:off x="9236397" y="3210195"/>
-            <a:ext cx="822003" cy="285783"/>
-          </a:xfrm>
-          <a:prstGeom prst="rect">
-            <a:avLst/>
-          </a:prstGeom>
-          <a:ln w="19050">
-            <a:solidFill>
-              <a:srgbClr val="7030A0"/>
-            </a:solidFill>
-          </a:ln>
-          <a:effectLst/>
-        </p:spPr>
-        <p:style>
-          <a:lnRef idx="1">
-            <a:schemeClr val="accent4"/>
-          </a:lnRef>
-          <a:fillRef idx="2">
-            <a:schemeClr val="accent4"/>
-          </a:fillRef>
-          <a:effectRef idx="1">
-            <a:schemeClr val="accent4"/>
-          </a:effectRef>
-          <a:fontRef idx="minor">
-            <a:schemeClr val="dk1"/>
-          </a:fontRef>
-        </p:style>
-        <p:txBody>
-          <a:bodyPr rtlCol="0" anchor="ctr"/>
-          <a:lstStyle/>
-          <a:p>
-            <a:pPr algn="ctr"/>
-            <a:r>
-              <a:rPr lang="en-US" sz="1050" dirty="0">
-                <a:solidFill>
-                  <a:srgbClr val="7030A0"/>
-                </a:solidFill>
-              </a:rPr>
-              <a:t>Email</a:t>
-            </a:r>
-            <a:endParaRPr lang="en-SG" sz="1050" dirty="0">
-              <a:solidFill>
-                <a:srgbClr val="7030A0"/>
-              </a:solidFill>
-            </a:endParaRPr>
-          </a:p>
-        </p:txBody>
-      </p:sp>
-      <p:cxnSp>
-        <p:nvCxnSpPr>
-          <p:cNvPr id="84" name="Elbow Connector 83"/>
-          <p:cNvCxnSpPr>
-            <a:stCxn id="78" idx="3"/>
-            <a:endCxn id="83" idx="1"/>
-          </p:cNvCxnSpPr>
-          <p:nvPr/>
-        </p:nvCxnSpPr>
-        <p:spPr>
-          <a:xfrm>
-            <a:off x="8801996" y="3034892"/>
-            <a:ext cx="434401" cy="318195"/>
-          </a:xfrm>
-          <a:prstGeom prst="bentConnector3">
-            <a:avLst/>
-          </a:prstGeom>
-          <a:ln w="19050">
-            <a:solidFill>
-              <a:srgbClr val="7030A0"/>
-            </a:solidFill>
-            <a:headEnd type="none" w="med" len="med"/>
-            <a:tailEnd type="arrow" w="med" len="med"/>
-          </a:ln>
-          <a:effectLst/>
-        </p:spPr>
-        <p:style>
-          <a:lnRef idx="1">
-            <a:schemeClr val="accent2"/>
-          </a:lnRef>
-          <a:fillRef idx="2">
-            <a:schemeClr val="accent2"/>
-          </a:fillRef>
-          <a:effectRef idx="1">
-            <a:schemeClr val="accent2"/>
-          </a:effectRef>
-          <a:fontRef idx="minor">
-            <a:schemeClr val="dk1"/>
-          </a:fontRef>
-        </p:style>
-      </p:cxnSp>
-      <p:sp>
-        <p:nvSpPr>
-          <p:cNvPr id="85" name="Rectangle 8"/>
-          <p:cNvSpPr/>
-          <p:nvPr/>
-        </p:nvSpPr>
-        <p:spPr>
-          <a:xfrm>
-            <a:off x="9236397" y="3533172"/>
-            <a:ext cx="822003" cy="285783"/>
-          </a:xfrm>
-          <a:prstGeom prst="rect">
-            <a:avLst/>
-          </a:prstGeom>
-          <a:ln w="19050">
-            <a:solidFill>
-              <a:srgbClr val="7030A0"/>
-            </a:solidFill>
-          </a:ln>
-          <a:effectLst/>
-        </p:spPr>
-        <p:style>
-          <a:lnRef idx="1">
-            <a:schemeClr val="accent4"/>
-          </a:lnRef>
-          <a:fillRef idx="2">
-            <a:schemeClr val="accent4"/>
-          </a:fillRef>
-          <a:effectRef idx="1">
-            <a:schemeClr val="accent4"/>
-          </a:effectRef>
-          <a:fontRef idx="minor">
-            <a:schemeClr val="dk1"/>
-          </a:fontRef>
-        </p:style>
-        <p:txBody>
-          <a:bodyPr rtlCol="0" anchor="ctr"/>
-          <a:lstStyle/>
-          <a:p>
-            <a:pPr algn="ctr"/>
-            <a:r>
-              <a:rPr lang="en-US" sz="1050" dirty="0">
-                <a:solidFill>
-                  <a:srgbClr val="7030A0"/>
-                </a:solidFill>
-              </a:rPr>
-              <a:t>Address</a:t>
-            </a:r>
-            <a:endParaRPr lang="en-SG" sz="1050" dirty="0">
-              <a:solidFill>
-                <a:srgbClr val="7030A0"/>
-              </a:solidFill>
-            </a:endParaRPr>
-          </a:p>
-        </p:txBody>
-      </p:sp>
-      <p:cxnSp>
-        <p:nvCxnSpPr>
-          <p:cNvPr id="86" name="Elbow Connector 85"/>
-          <p:cNvCxnSpPr>
-            <a:stCxn id="78" idx="3"/>
-            <a:endCxn id="85" idx="1"/>
-          </p:cNvCxnSpPr>
-          <p:nvPr/>
-        </p:nvCxnSpPr>
-        <p:spPr>
-          <a:xfrm>
-            <a:off x="8801996" y="3034891"/>
-            <a:ext cx="434401" cy="641172"/>
-          </a:xfrm>
-          <a:prstGeom prst="bentConnector3">
-            <a:avLst/>
-          </a:prstGeom>
-          <a:ln w="19050">
-            <a:solidFill>
-              <a:srgbClr val="7030A0"/>
-            </a:solidFill>
-            <a:headEnd type="none" w="med" len="med"/>
-            <a:tailEnd type="arrow" w="med" len="med"/>
-          </a:ln>
-          <a:effectLst/>
-        </p:spPr>
-        <p:style>
-          <a:lnRef idx="1">
-            <a:schemeClr val="accent2"/>
-          </a:lnRef>
-          <a:fillRef idx="2">
-            <a:schemeClr val="accent2"/>
-          </a:fillRef>
-          <a:effectRef idx="1">
-            <a:schemeClr val="accent2"/>
-          </a:effectRef>
-          <a:fontRef idx="minor">
-            <a:schemeClr val="dk1"/>
-          </a:fontRef>
-        </p:style>
-      </p:cxnSp>
-      <p:cxnSp>
-        <p:nvCxnSpPr>
-          <p:cNvPr id="97" name="Elbow Connector 63"/>
-          <p:cNvCxnSpPr>
-            <a:stCxn id="99" idx="3"/>
-          </p:cNvCxnSpPr>
-          <p:nvPr/>
-        </p:nvCxnSpPr>
-        <p:spPr>
-          <a:xfrm rot="5400000">
-            <a:off x="5077612" y="2687559"/>
-            <a:ext cx="293825" cy="5938"/>
-          </a:xfrm>
-          <a:prstGeom prst="bentConnector3">
-            <a:avLst>
-              <a:gd name="adj1" fmla="val 50000"/>
-            </a:avLst>
-          </a:prstGeom>
-          <a:ln w="19050">
-            <a:solidFill>
-              <a:srgbClr val="7030A0"/>
-            </a:solidFill>
-            <a:prstDash val="sysDot"/>
-            <a:headEnd type="none" w="med" len="med"/>
-            <a:tailEnd type="none" w="med" len="med"/>
-          </a:ln>
-          <a:effectLst/>
-        </p:spPr>
-        <p:style>
-          <a:lnRef idx="1">
-            <a:schemeClr val="accent2"/>
-          </a:lnRef>
-          <a:fillRef idx="2">
-            <a:schemeClr val="accent2"/>
-          </a:fillRef>
-          <a:effectRef idx="1">
-            <a:schemeClr val="accent2"/>
-          </a:effectRef>
-          <a:fontRef idx="minor">
-            <a:schemeClr val="dk1"/>
-          </a:fontRef>
-        </p:style>
-      </p:cxnSp>
-      <p:sp>
-        <p:nvSpPr>
-          <p:cNvPr id="99" name="Isosceles Triangle 102"/>
-          <p:cNvSpPr/>
-          <p:nvPr/>
-        </p:nvSpPr>
-        <p:spPr>
-          <a:xfrm rot="10800000" flipV="1">
-            <a:off x="5086300" y="2386554"/>
-            <a:ext cx="282387" cy="157062"/>
-          </a:xfrm>
-          <a:prstGeom prst="triangle">
-            <a:avLst/>
-          </a:prstGeom>
-          <a:ln w="19050">
-            <a:solidFill>
-              <a:srgbClr val="7030A0"/>
-            </a:solidFill>
-          </a:ln>
-          <a:effectLst/>
-        </p:spPr>
-        <p:style>
-          <a:lnRef idx="1">
-            <a:schemeClr val="accent4"/>
-          </a:lnRef>
-          <a:fillRef idx="2">
-            <a:schemeClr val="accent4"/>
-          </a:fillRef>
-          <a:effectRef idx="1">
-            <a:schemeClr val="accent4"/>
-          </a:effectRef>
-          <a:fontRef idx="minor">
-            <a:schemeClr val="dk1"/>
-          </a:fontRef>
-        </p:style>
-        <p:txBody>
-          <a:bodyPr rtlCol="0" anchor="ctr"/>
-          <a:lstStyle/>
-          <a:p>
-            <a:pPr algn="ctr"/>
-            <a:endParaRPr lang="en-SG" sz="1050" b="1">
-              <a:solidFill>
-                <a:srgbClr val="92D050"/>
-              </a:solidFill>
-            </a:endParaRPr>
-          </a:p>
-        </p:txBody>
-      </p:sp>
-      <p:sp>
-        <p:nvSpPr>
-          <p:cNvPr id="100" name="Rectangle 8"/>
-          <p:cNvSpPr/>
-          <p:nvPr/>
-        </p:nvSpPr>
-        <p:spPr>
-          <a:xfrm>
-            <a:off x="2784923" y="1998350"/>
-            <a:ext cx="1443661" cy="364396"/>
-          </a:xfrm>
-          <a:prstGeom prst="rect">
-            <a:avLst/>
-          </a:prstGeom>
-          <a:ln w="19050">
-            <a:solidFill>
-              <a:srgbClr val="7030A0"/>
-            </a:solidFill>
-          </a:ln>
-          <a:effectLst/>
-        </p:spPr>
-        <p:style>
-          <a:lnRef idx="1">
-            <a:schemeClr val="accent4"/>
-          </a:lnRef>
-          <a:fillRef idx="2">
-            <a:schemeClr val="accent4"/>
-          </a:fillRef>
-          <a:effectRef idx="1">
-            <a:schemeClr val="accent4"/>
-          </a:effectRef>
-          <a:fontRef idx="minor">
-            <a:schemeClr val="dk1"/>
-          </a:fontRef>
-        </p:style>
-        <p:txBody>
-          <a:bodyPr rtlCol="0" anchor="ctr"/>
-          <a:lstStyle/>
-          <a:p>
-            <a:pPr algn="ctr"/>
-            <a:r>
-              <a:rPr lang="en-US" sz="1050" dirty="0">
-                <a:solidFill>
-                  <a:srgbClr val="7030A0"/>
-                </a:solidFill>
-              </a:rPr>
-              <a:t>&lt;&lt;interface&gt;&gt;</a:t>
-            </a:r>
-            <a:br>
-              <a:rPr lang="en-US" sz="1050" dirty="0">
-                <a:solidFill>
-                  <a:srgbClr val="7030A0"/>
-                </a:solidFill>
-              </a:rPr>
-            </a:br>
-            <a:r>
-              <a:rPr lang="en-US" sz="1050" dirty="0" err="1">
-                <a:solidFill>
-                  <a:srgbClr val="7030A0"/>
-                </a:solidFill>
-              </a:rPr>
-              <a:t>ReadOnlyAddressBook</a:t>
-            </a:r>
-            <a:endParaRPr lang="en-SG" sz="1050" dirty="0">
-              <a:solidFill>
-                <a:srgbClr val="7030A0"/>
-              </a:solidFill>
-            </a:endParaRPr>
-          </a:p>
-        </p:txBody>
-      </p:sp>
-      <p:sp>
-        <p:nvSpPr>
-          <p:cNvPr id="114" name="TextBox 113"/>
-          <p:cNvSpPr txBox="1"/>
-          <p:nvPr/>
-        </p:nvSpPr>
-        <p:spPr>
-          <a:xfrm rot="16200000">
-            <a:off x="7886886" y="3586305"/>
-            <a:ext cx="881018" cy="261610"/>
-          </a:xfrm>
-          <a:prstGeom prst="rect">
-            <a:avLst/>
-          </a:prstGeom>
-          <a:noFill/>
-        </p:spPr>
-        <p:txBody>
-          <a:bodyPr wrap="square" rtlCol="0">
-            <a:spAutoFit/>
-          </a:bodyPr>
-          <a:lstStyle/>
-          <a:p>
-            <a:pPr algn="r"/>
-            <a:r>
-              <a:rPr lang="en-US" sz="1100" dirty="0">
-                <a:solidFill>
-                  <a:srgbClr val="7030A0"/>
-                </a:solidFill>
-              </a:rPr>
-              <a:t>filtered list</a:t>
-            </a:r>
-            <a:endParaRPr lang="en-SG" sz="1100" dirty="0">
-              <a:solidFill>
-                <a:srgbClr val="7030A0"/>
-              </a:solidFill>
-            </a:endParaRPr>
-          </a:p>
-        </p:txBody>
-      </p:sp>
-      <p:sp>
-        <p:nvSpPr>
-          <p:cNvPr id="122" name="Rectangle 8"/>
-          <p:cNvSpPr/>
-          <p:nvPr/>
-        </p:nvSpPr>
-        <p:spPr>
-          <a:xfrm>
-            <a:off x="3581401" y="4239491"/>
-            <a:ext cx="1066800" cy="346760"/>
-          </a:xfrm>
-          <a:prstGeom prst="rect">
-            <a:avLst/>
-          </a:prstGeom>
-          <a:ln w="19050">
-            <a:solidFill>
-              <a:srgbClr val="7030A0"/>
-            </a:solidFill>
-          </a:ln>
-          <a:effectLst/>
-        </p:spPr>
-        <p:style>
-          <a:lnRef idx="1">
-            <a:schemeClr val="accent4"/>
-          </a:lnRef>
-          <a:fillRef idx="2">
-            <a:schemeClr val="accent4"/>
-          </a:fillRef>
-          <a:effectRef idx="1">
-            <a:schemeClr val="accent4"/>
-          </a:effectRef>
-          <a:fontRef idx="minor">
-            <a:schemeClr val="dk1"/>
-          </a:fontRef>
-        </p:style>
-        <p:txBody>
-          <a:bodyPr rtlCol="0" anchor="ctr"/>
-          <a:lstStyle/>
-          <a:p>
-            <a:pPr algn="ctr"/>
-            <a:r>
-              <a:rPr lang="en-US" sz="1050" dirty="0">
-                <a:solidFill>
-                  <a:srgbClr val="7030A0"/>
-                </a:solidFill>
-              </a:rPr>
-              <a:t>&lt;&lt;interface&gt;&gt;</a:t>
-            </a:r>
-            <a:r>
-              <a:rPr lang="en-US" sz="1050">
-                <a:solidFill>
-                  <a:srgbClr val="7030A0"/>
-                </a:solidFill>
-              </a:rPr>
-              <a:t/>
-            </a:r>
-            <a:br>
-              <a:rPr lang="en-US" sz="1050">
-                <a:solidFill>
-                  <a:srgbClr val="7030A0"/>
-                </a:solidFill>
-              </a:rPr>
-            </a:br>
-            <a:r>
-              <a:rPr lang="en-US" sz="1050" dirty="0" err="1">
-                <a:solidFill>
-                  <a:srgbClr val="7030A0"/>
-                </a:solidFill>
-              </a:rPr>
-              <a:t>ObservableList</a:t>
-            </a:r>
-            <a:endParaRPr lang="en-SG" sz="1050" dirty="0">
-              <a:solidFill>
-                <a:srgbClr val="7030A0"/>
-              </a:solidFill>
-            </a:endParaRPr>
-          </a:p>
-        </p:txBody>
-      </p:sp>
-      <p:cxnSp>
-        <p:nvCxnSpPr>
-          <p:cNvPr id="124" name="Elbow Connector 122"/>
-          <p:cNvCxnSpPr>
-            <a:stCxn id="119" idx="1"/>
-            <a:endCxn id="122" idx="1"/>
-          </p:cNvCxnSpPr>
-          <p:nvPr/>
-        </p:nvCxnSpPr>
-        <p:spPr>
-          <a:xfrm rot="16200000" flipH="1">
-            <a:off x="2888476" y="3719945"/>
-            <a:ext cx="831471" cy="554381"/>
-          </a:xfrm>
-          <a:prstGeom prst="bentConnector2">
-            <a:avLst/>
-          </a:prstGeom>
-          <a:ln w="19050">
-            <a:solidFill>
-              <a:srgbClr val="7030A0"/>
-            </a:solidFill>
-            <a:prstDash val="sysDot"/>
-            <a:headEnd type="none" w="med" len="med"/>
-            <a:tailEnd type="arrow" w="med" len="med"/>
-          </a:ln>
-          <a:effectLst/>
-        </p:spPr>
-        <p:style>
-          <a:lnRef idx="1">
-            <a:schemeClr val="accent2"/>
-          </a:lnRef>
-          <a:fillRef idx="2">
-            <a:schemeClr val="accent2"/>
-          </a:fillRef>
-          <a:effectRef idx="1">
-            <a:schemeClr val="accent2"/>
-          </a:effectRef>
-          <a:fontRef idx="minor">
-            <a:schemeClr val="dk1"/>
-          </a:fontRef>
-        </p:style>
-      </p:cxnSp>
-      <p:sp>
-        <p:nvSpPr>
-          <p:cNvPr id="54" name="TextBox 53"/>
-          <p:cNvSpPr txBox="1"/>
-          <p:nvPr/>
-        </p:nvSpPr>
-        <p:spPr>
-          <a:xfrm>
-            <a:off x="5953980" y="3111480"/>
-            <a:ext cx="189257" cy="178683"/>
-          </a:xfrm>
-          <a:prstGeom prst="rect">
-            <a:avLst/>
-          </a:prstGeom>
-          <a:noFill/>
-        </p:spPr>
-        <p:txBody>
-          <a:bodyPr wrap="square" lIns="0" tIns="0" rIns="0" bIns="0" rtlCol="0">
-            <a:noAutofit/>
-          </a:bodyPr>
-          <a:lstStyle/>
-          <a:p>
-            <a:pPr algn="ctr"/>
-            <a:r>
-              <a:rPr lang="en-US" sz="1100" dirty="0">
-                <a:solidFill>
-                  <a:srgbClr val="7030A0"/>
-                </a:solidFill>
-              </a:rPr>
-              <a:t>1</a:t>
-            </a:r>
-            <a:endParaRPr lang="en-SG" sz="1100" dirty="0">
-              <a:solidFill>
-                <a:srgbClr val="7030A0"/>
-              </a:solidFill>
-            </a:endParaRPr>
-          </a:p>
-        </p:txBody>
-      </p:sp>
-      <p:sp>
-        <p:nvSpPr>
-          <p:cNvPr id="61" name="TextBox 60"/>
-          <p:cNvSpPr txBox="1"/>
-          <p:nvPr/>
-        </p:nvSpPr>
-        <p:spPr>
-          <a:xfrm>
-            <a:off x="7659257" y="3097918"/>
-            <a:ext cx="189257" cy="178683"/>
-          </a:xfrm>
-          <a:prstGeom prst="rect">
-            <a:avLst/>
-          </a:prstGeom>
-          <a:noFill/>
-        </p:spPr>
-        <p:txBody>
-          <a:bodyPr wrap="square" lIns="0" tIns="0" rIns="0" bIns="0" rtlCol="0">
-            <a:noAutofit/>
-          </a:bodyPr>
-          <a:lstStyle/>
-          <a:p>
-            <a:pPr algn="ctr"/>
-            <a:r>
-              <a:rPr lang="en-US" sz="1100" dirty="0">
-                <a:solidFill>
-                  <a:srgbClr val="7030A0"/>
-                </a:solidFill>
-              </a:rPr>
-              <a:t>*</a:t>
-            </a:r>
-            <a:endParaRPr lang="en-SG" sz="1100" dirty="0">
-              <a:solidFill>
-                <a:srgbClr val="7030A0"/>
-              </a:solidFill>
-            </a:endParaRPr>
-          </a:p>
-        </p:txBody>
-      </p:sp>
-      <p:sp>
-        <p:nvSpPr>
-          <p:cNvPr id="65" name="TextBox 64"/>
-          <p:cNvSpPr txBox="1"/>
-          <p:nvPr/>
-        </p:nvSpPr>
-        <p:spPr>
-          <a:xfrm>
-            <a:off x="4097394" y="2756715"/>
-            <a:ext cx="170110" cy="137542"/>
-          </a:xfrm>
-          <a:prstGeom prst="rect">
-            <a:avLst/>
-          </a:prstGeom>
-          <a:noFill/>
-        </p:spPr>
-        <p:txBody>
-          <a:bodyPr wrap="square" lIns="0" tIns="0" rIns="0" bIns="0" rtlCol="0">
-            <a:noAutofit/>
-          </a:bodyPr>
-          <a:lstStyle/>
-          <a:p>
-            <a:pPr algn="ctr"/>
-            <a:r>
-              <a:rPr lang="en-US" sz="1100" dirty="0">
-                <a:solidFill>
-                  <a:srgbClr val="7030A0"/>
-                </a:solidFill>
-              </a:rPr>
-              <a:t>1</a:t>
-            </a:r>
-            <a:endParaRPr lang="en-SG" sz="1100" dirty="0">
-              <a:solidFill>
-                <a:srgbClr val="7030A0"/>
-              </a:solidFill>
-            </a:endParaRPr>
-          </a:p>
-        </p:txBody>
-      </p:sp>
-      <p:sp>
-        <p:nvSpPr>
-          <p:cNvPr id="66" name="TextBox 65"/>
-          <p:cNvSpPr txBox="1"/>
-          <p:nvPr/>
-        </p:nvSpPr>
-        <p:spPr>
-          <a:xfrm>
-            <a:off x="4231071" y="3667738"/>
-            <a:ext cx="189257" cy="178683"/>
-          </a:xfrm>
-          <a:prstGeom prst="rect">
-            <a:avLst/>
-          </a:prstGeom>
-          <a:noFill/>
-        </p:spPr>
-        <p:txBody>
-          <a:bodyPr wrap="square" lIns="0" tIns="0" rIns="0" bIns="0" rtlCol="0">
-            <a:noAutofit/>
-          </a:bodyPr>
-          <a:lstStyle/>
-          <a:p>
-            <a:pPr algn="ctr"/>
-            <a:r>
-              <a:rPr lang="en-US" sz="1100" dirty="0">
-                <a:solidFill>
-                  <a:srgbClr val="7030A0"/>
-                </a:solidFill>
-              </a:rPr>
-              <a:t>1</a:t>
-            </a:r>
-            <a:endParaRPr lang="en-SG" sz="1100" dirty="0">
-              <a:solidFill>
-                <a:srgbClr val="7030A0"/>
-              </a:solidFill>
-            </a:endParaRPr>
-          </a:p>
-        </p:txBody>
-      </p:sp>
-      <p:sp>
-        <p:nvSpPr>
-          <p:cNvPr id="70" name="TextBox 69"/>
-          <p:cNvSpPr txBox="1"/>
-          <p:nvPr/>
-        </p:nvSpPr>
-        <p:spPr>
-          <a:xfrm>
-            <a:off x="7973897" y="3204827"/>
-            <a:ext cx="189257" cy="178683"/>
-          </a:xfrm>
-          <a:prstGeom prst="rect">
-            <a:avLst/>
-          </a:prstGeom>
-          <a:noFill/>
-        </p:spPr>
-        <p:txBody>
-          <a:bodyPr wrap="square" lIns="0" tIns="0" rIns="0" bIns="0" rtlCol="0">
-            <a:noAutofit/>
-          </a:bodyPr>
-          <a:lstStyle/>
-          <a:p>
-            <a:pPr algn="ctr"/>
-            <a:r>
-              <a:rPr lang="en-US" sz="1100" dirty="0">
-                <a:solidFill>
-                  <a:srgbClr val="7030A0"/>
-                </a:solidFill>
-              </a:rPr>
-              <a:t>1</a:t>
-            </a:r>
-            <a:endParaRPr lang="en-SG" sz="1100" dirty="0">
-              <a:solidFill>
-                <a:srgbClr val="7030A0"/>
-              </a:solidFill>
-            </a:endParaRPr>
-          </a:p>
-        </p:txBody>
-      </p:sp>
-      <p:sp>
-        <p:nvSpPr>
-          <p:cNvPr id="52" name="Rectangle 8">
-            <a:extLst>
-              <a:ext uri="{FF2B5EF4-FFF2-40B4-BE49-F238E27FC236}">
-                <a16:creationId xmlns="" xmlns:a16="http://schemas.microsoft.com/office/drawing/2014/main" id="{ABDCDBD2-131A-4B66-A2F2-43BBEE82C773}"/>
-              </a:ext>
-            </a:extLst>
-          </p:cNvPr>
-          <p:cNvSpPr/>
-          <p:nvPr/>
-        </p:nvSpPr>
-        <p:spPr>
-          <a:xfrm>
-            <a:off x="9236397" y="2228818"/>
-            <a:ext cx="822003" cy="285783"/>
-          </a:xfrm>
-          <a:prstGeom prst="rect">
-            <a:avLst/>
-          </a:prstGeom>
-          <a:ln w="19050">
-            <a:solidFill>
-              <a:srgbClr val="7030A0"/>
-            </a:solidFill>
-          </a:ln>
-          <a:effectLst/>
-        </p:spPr>
-        <p:style>
-          <a:lnRef idx="1">
-            <a:schemeClr val="accent4"/>
-          </a:lnRef>
-          <a:fillRef idx="2">
-            <a:schemeClr val="accent4"/>
-          </a:fillRef>
-          <a:effectRef idx="1">
-            <a:schemeClr val="accent4"/>
-          </a:effectRef>
-          <a:fontRef idx="minor">
-            <a:schemeClr val="dk1"/>
-          </a:fontRef>
-        </p:style>
-        <p:txBody>
-          <a:bodyPr rtlCol="0" anchor="ctr"/>
-          <a:lstStyle/>
-          <a:p>
-            <a:pPr algn="ctr"/>
-            <a:r>
-              <a:rPr lang="en-US" sz="1050" dirty="0">
-                <a:solidFill>
-                  <a:srgbClr val="7030A0"/>
-                </a:solidFill>
-              </a:rPr>
-              <a:t>Tag</a:t>
-            </a:r>
-            <a:endParaRPr lang="en-SG" sz="1050" dirty="0">
-              <a:solidFill>
-                <a:srgbClr val="7030A0"/>
-              </a:solidFill>
-            </a:endParaRPr>
-          </a:p>
-        </p:txBody>
-      </p:sp>
-      <p:cxnSp>
-        <p:nvCxnSpPr>
-          <p:cNvPr id="53" name="Elbow Connector 78">
-            <a:extLst>
-              <a:ext uri="{FF2B5EF4-FFF2-40B4-BE49-F238E27FC236}">
-                <a16:creationId xmlns="" xmlns:a16="http://schemas.microsoft.com/office/drawing/2014/main" id="{B97967F8-618A-448B-81FD-CDFD4AF0EC64}"/>
-              </a:ext>
-            </a:extLst>
-          </p:cNvPr>
-          <p:cNvCxnSpPr>
-            <a:cxnSpLocks/>
-            <a:stCxn id="78" idx="3"/>
-            <a:endCxn id="52" idx="1"/>
-          </p:cNvCxnSpPr>
-          <p:nvPr/>
-        </p:nvCxnSpPr>
-        <p:spPr>
-          <a:xfrm flipV="1">
-            <a:off x="8801996" y="2371709"/>
-            <a:ext cx="434401" cy="663182"/>
-          </a:xfrm>
-          <a:prstGeom prst="bentConnector3">
-            <a:avLst>
-              <a:gd name="adj1" fmla="val 50000"/>
-            </a:avLst>
-          </a:prstGeom>
-          <a:ln w="19050">
-            <a:solidFill>
-              <a:srgbClr val="7030A0"/>
-            </a:solidFill>
-            <a:headEnd type="none" w="med" len="med"/>
-            <a:tailEnd type="arrow" w="med" len="med"/>
-          </a:ln>
-          <a:effectLst/>
-        </p:spPr>
-        <p:style>
-          <a:lnRef idx="1">
-            <a:schemeClr val="accent2"/>
-          </a:lnRef>
-          <a:fillRef idx="2">
-            <a:schemeClr val="accent2"/>
-          </a:fillRef>
-          <a:effectRef idx="1">
-            <a:schemeClr val="accent2"/>
-          </a:effectRef>
-          <a:fontRef idx="minor">
-            <a:schemeClr val="dk1"/>
-          </a:fontRef>
-        </p:style>
-      </p:cxnSp>
-      <p:sp>
-        <p:nvSpPr>
-          <p:cNvPr id="50" name="TextBox 49">
-            <a:extLst>
-              <a:ext uri="{FF2B5EF4-FFF2-40B4-BE49-F238E27FC236}">
-                <a16:creationId xmlns="" xmlns:a16="http://schemas.microsoft.com/office/drawing/2014/main" id="{B3FA9D57-880F-49C4-AD0B-A64E30D6F403}"/>
-              </a:ext>
-            </a:extLst>
-          </p:cNvPr>
-          <p:cNvSpPr txBox="1"/>
-          <p:nvPr/>
-        </p:nvSpPr>
-        <p:spPr>
-          <a:xfrm>
-            <a:off x="8990244" y="2255712"/>
-            <a:ext cx="189257" cy="178683"/>
-          </a:xfrm>
-          <a:prstGeom prst="rect">
-            <a:avLst/>
-          </a:prstGeom>
-          <a:noFill/>
-        </p:spPr>
-        <p:txBody>
-          <a:bodyPr wrap="square" lIns="0" tIns="0" rIns="0" bIns="0" rtlCol="0">
-            <a:noAutofit/>
-          </a:bodyPr>
-          <a:lstStyle/>
-          <a:p>
-            <a:pPr algn="ctr"/>
-            <a:r>
-              <a:rPr lang="en-US" sz="1100" dirty="0">
-                <a:solidFill>
-                  <a:srgbClr val="7030A0"/>
-                </a:solidFill>
-              </a:rPr>
-              <a:t>*</a:t>
-            </a:r>
-            <a:endParaRPr lang="en-SG" sz="1100" dirty="0">
-              <a:solidFill>
-                <a:srgbClr val="7030A0"/>
-              </a:solidFill>
-            </a:endParaRPr>
-          </a:p>
-        </p:txBody>
-      </p:sp>
-      <p:sp>
-        <p:nvSpPr>
-          <p:cNvPr id="55" name="Rectangle 8"/>
-          <p:cNvSpPr/>
-          <p:nvPr/>
-        </p:nvSpPr>
-        <p:spPr>
-          <a:xfrm>
-            <a:off x="4694182" y="1998350"/>
-            <a:ext cx="1060683" cy="364396"/>
-          </a:xfrm>
-          <a:prstGeom prst="rect">
-            <a:avLst/>
-          </a:prstGeom>
-          <a:ln w="19050">
-            <a:solidFill>
-              <a:srgbClr val="7030A0"/>
-            </a:solidFill>
-          </a:ln>
-          <a:effectLst/>
-        </p:spPr>
-        <p:style>
-          <a:lnRef idx="1">
-            <a:schemeClr val="accent4"/>
-          </a:lnRef>
-          <a:fillRef idx="2">
-            <a:schemeClr val="accent4"/>
-          </a:fillRef>
-          <a:effectRef idx="1">
-            <a:schemeClr val="accent4"/>
-          </a:effectRef>
-          <a:fontRef idx="minor">
-            <a:schemeClr val="dk1"/>
-          </a:fontRef>
-        </p:style>
-        <p:txBody>
-          <a:bodyPr rtlCol="0" anchor="ctr"/>
-          <a:lstStyle/>
-          <a:p>
-            <a:pPr algn="ctr"/>
-            <a:r>
-              <a:rPr lang="en-US" sz="1050" dirty="0" err="1">
-                <a:solidFill>
-                  <a:srgbClr val="7030A0"/>
-                </a:solidFill>
-              </a:rPr>
-              <a:t>AddressBook</a:t>
-            </a:r>
-            <a:endParaRPr lang="en-SG" sz="1050" dirty="0">
-              <a:solidFill>
-                <a:srgbClr val="7030A0"/>
-              </a:solidFill>
-            </a:endParaRPr>
-          </a:p>
-        </p:txBody>
-      </p:sp>
-      <p:cxnSp>
-        <p:nvCxnSpPr>
-          <p:cNvPr id="60" name="Straight Arrow Connector 59"/>
-          <p:cNvCxnSpPr>
-            <a:stCxn id="51" idx="1"/>
-            <a:endCxn id="49" idx="1"/>
-          </p:cNvCxnSpPr>
-          <p:nvPr/>
-        </p:nvCxnSpPr>
-        <p:spPr>
-          <a:xfrm>
-            <a:off x="5848972" y="3007222"/>
-            <a:ext cx="367678" cy="12320"/>
-          </a:xfrm>
-          <a:prstGeom prst="straightConnector1">
-            <a:avLst/>
-          </a:prstGeom>
-          <a:ln w="19050">
-            <a:solidFill>
-              <a:srgbClr val="7030A0"/>
-            </a:solidFill>
-            <a:headEnd type="none" w="med" len="med"/>
-            <a:tailEnd type="arrow" w="med" len="med"/>
-          </a:ln>
-          <a:effectLst/>
-        </p:spPr>
-        <p:style>
-          <a:lnRef idx="1">
-            <a:schemeClr val="accent2"/>
-          </a:lnRef>
-          <a:fillRef idx="2">
-            <a:schemeClr val="accent2"/>
-          </a:fillRef>
-          <a:effectRef idx="1">
-            <a:schemeClr val="accent2"/>
-          </a:effectRef>
-          <a:fontRef idx="minor">
-            <a:schemeClr val="dk1"/>
-          </a:fontRef>
-        </p:style>
-      </p:cxnSp>
-      <p:sp>
-        <p:nvSpPr>
-          <p:cNvPr id="68" name="Isosceles Triangle 102"/>
-          <p:cNvSpPr/>
-          <p:nvPr/>
-        </p:nvSpPr>
-        <p:spPr>
-          <a:xfrm rot="16200000">
-            <a:off x="4193073" y="2069159"/>
-            <a:ext cx="271014" cy="187417"/>
-          </a:xfrm>
-          <a:prstGeom prst="triangle">
-            <a:avLst>
-              <a:gd name="adj" fmla="val 44517"/>
-            </a:avLst>
-          </a:prstGeom>
-          <a:solidFill>
-            <a:schemeClr val="accent4">
-              <a:lumMod val="20000"/>
-              <a:lumOff val="80000"/>
-            </a:schemeClr>
-          </a:solidFill>
-          <a:ln w="19050">
-            <a:solidFill>
-              <a:srgbClr val="7030A0"/>
-            </a:solidFill>
-          </a:ln>
-          <a:effectLst/>
-        </p:spPr>
-        <p:style>
-          <a:lnRef idx="1">
-            <a:schemeClr val="accent6"/>
-          </a:lnRef>
-          <a:fillRef idx="2">
-            <a:schemeClr val="accent6"/>
-          </a:fillRef>
-          <a:effectRef idx="1">
-            <a:schemeClr val="accent6"/>
-          </a:effectRef>
-          <a:fontRef idx="minor">
-            <a:schemeClr val="dk1"/>
-          </a:fontRef>
-        </p:style>
-        <p:txBody>
-          <a:bodyPr rtlCol="0" anchor="ctr"/>
-          <a:lstStyle/>
-          <a:p>
-            <a:pPr algn="ctr"/>
-            <a:endParaRPr lang="en-SG" sz="1050">
-              <a:solidFill>
-                <a:prstClr val="black"/>
-              </a:solidFill>
-            </a:endParaRPr>
-          </a:p>
-        </p:txBody>
-      </p:sp>
-      <p:cxnSp>
-        <p:nvCxnSpPr>
-          <p:cNvPr id="69" name="Elbow Connector 63"/>
-          <p:cNvCxnSpPr>
-            <a:stCxn id="68" idx="3"/>
-            <a:endCxn id="55" idx="1"/>
-          </p:cNvCxnSpPr>
-          <p:nvPr/>
-        </p:nvCxnSpPr>
-        <p:spPr>
-          <a:xfrm>
-            <a:off x="4422289" y="2177728"/>
-            <a:ext cx="271892" cy="2821"/>
-          </a:xfrm>
-          <a:prstGeom prst="bentConnector3">
-            <a:avLst>
-              <a:gd name="adj1" fmla="val 50000"/>
-            </a:avLst>
-          </a:prstGeom>
-          <a:ln w="19050">
-            <a:solidFill>
-              <a:srgbClr val="7030A0"/>
-            </a:solidFill>
-            <a:prstDash val="sysDot"/>
-            <a:headEnd type="none" w="med" len="med"/>
-            <a:tailEnd type="none" w="med" len="med"/>
-          </a:ln>
-          <a:effectLst/>
-        </p:spPr>
-        <p:style>
-          <a:lnRef idx="1">
-            <a:schemeClr val="accent2"/>
-          </a:lnRef>
-          <a:fillRef idx="2">
-            <a:schemeClr val="accent2"/>
-          </a:fillRef>
-          <a:effectRef idx="1">
-            <a:schemeClr val="accent2"/>
-          </a:effectRef>
-          <a:fontRef idx="minor">
-            <a:schemeClr val="dk1"/>
-          </a:fontRef>
-        </p:style>
-      </p:cxnSp>
-      <p:sp>
-        <p:nvSpPr>
-          <p:cNvPr id="56" name="Rectangle 8"/>
-          <p:cNvSpPr/>
-          <p:nvPr/>
-        </p:nvSpPr>
-        <p:spPr>
-          <a:xfrm>
-            <a:off x="7248255" y="1117637"/>
-            <a:ext cx="822003" cy="285783"/>
-          </a:xfrm>
-          <a:prstGeom prst="rect">
-            <a:avLst/>
-          </a:prstGeom>
-          <a:ln w="19050">
-            <a:solidFill>
-              <a:srgbClr val="7030A0"/>
-            </a:solidFill>
-          </a:ln>
-          <a:effectLst/>
-        </p:spPr>
-        <p:style>
-          <a:lnRef idx="1">
-            <a:schemeClr val="accent4"/>
-          </a:lnRef>
-          <a:fillRef idx="2">
-            <a:schemeClr val="accent4"/>
-          </a:fillRef>
-          <a:effectRef idx="1">
-            <a:schemeClr val="accent4"/>
-          </a:effectRef>
-          <a:fontRef idx="minor">
-            <a:schemeClr val="dk1"/>
-          </a:fontRef>
-        </p:style>
-        <p:txBody>
-          <a:bodyPr rtlCol="0" anchor="ctr"/>
-          <a:lstStyle/>
-          <a:p>
-            <a:pPr algn="ctr"/>
-            <a:r>
-              <a:rPr lang="en-US" sz="1050" dirty="0" err="1">
-                <a:solidFill>
-                  <a:srgbClr val="7030A0"/>
-                </a:solidFill>
-              </a:rPr>
-              <a:t>TimeTable</a:t>
-            </a:r>
-            <a:endParaRPr lang="en-SG" sz="1050" dirty="0">
-              <a:solidFill>
-                <a:srgbClr val="7030A0"/>
-              </a:solidFill>
-            </a:endParaRPr>
-          </a:p>
-        </p:txBody>
-      </p:sp>
-    </p:spTree>
-    <p:extLst>
-      <p:ext uri="{BB962C8B-B14F-4D97-AF65-F5344CB8AC3E}">
-        <p14:creationId xmlns:p14="http://schemas.microsoft.com/office/powerpoint/2010/main" val="2811749248"/>
-      </p:ext>
-    </p:extLst>
-  </p:cSld>
-  <p:clrMapOvr>
-    <a:masterClrMapping/>
-  </p:clrMapOvr>
-</p:sld>
-</file>
-
-<file path=ppt/slides/slide2.xml><?xml version="1.0" encoding="utf-8"?>
-<p:sld xmlns:a="http://schemas.openxmlformats.org/drawingml/2006/main" xmlns:r="http://schemas.openxmlformats.org/officeDocument/2006/relationships" xmlns:p="http://schemas.openxmlformats.org/presentationml/2006/main">
-  <p:cSld>
-    <p:spTree>
-      <p:nvGrpSpPr>
-        <p:cNvPr id="1" name=""/>
-        <p:cNvGrpSpPr/>
-        <p:nvPr/>
-      </p:nvGrpSpPr>
-      <p:grpSpPr>
-        <a:xfrm>
-          <a:off x="0" y="0"/>
-          <a:ext cx="0" cy="0"/>
-          <a:chOff x="0" y="0"/>
-          <a:chExt cx="0" cy="0"/>
-        </a:xfrm>
-      </p:grpSpPr>
-      <p:sp>
-        <p:nvSpPr>
-          <p:cNvPr id="35" name="Rectangle 65"/>
-          <p:cNvSpPr/>
-          <p:nvPr/>
-        </p:nvSpPr>
-        <p:spPr>
-          <a:xfrm>
-            <a:off x="3900959" y="1397000"/>
-            <a:ext cx="3772930" cy="2491260"/>
-          </a:xfrm>
-          <a:prstGeom prst="roundRect">
-            <a:avLst>
-              <a:gd name="adj" fmla="val 3484"/>
-            </a:avLst>
-          </a:prstGeom>
-          <a:solidFill>
-            <a:schemeClr val="accent4">
-              <a:lumMod val="20000"/>
-              <a:lumOff val="80000"/>
-            </a:schemeClr>
-          </a:solidFill>
-          <a:ln w="19050">
-            <a:noFill/>
-          </a:ln>
-          <a:effectLst/>
-        </p:spPr>
-        <p:style>
-          <a:lnRef idx="1">
-            <a:schemeClr val="accent2"/>
-          </a:lnRef>
-          <a:fillRef idx="2">
-            <a:schemeClr val="accent2"/>
-          </a:fillRef>
-          <a:effectRef idx="1">
-            <a:schemeClr val="accent2"/>
-          </a:effectRef>
-          <a:fontRef idx="minor">
-            <a:schemeClr val="dk1"/>
-          </a:fontRef>
-        </p:style>
-        <p:txBody>
-          <a:bodyPr rtlCol="0" anchor="t"/>
-          <a:lstStyle/>
-          <a:p>
             <a:endParaRPr lang="en-SG" sz="1200" b="1" dirty="0">
               <a:solidFill>
                 <a:srgbClr val="7030A0"/>
@@ -6068,7 +3770,7 @@
           <p:cNvPr id="16" name="Elbow Connector 78">
             <a:extLst>
               <a:ext uri="{FF2B5EF4-FFF2-40B4-BE49-F238E27FC236}">
-                <a16:creationId xmlns="" xmlns:a16="http://schemas.microsoft.com/office/drawing/2014/main" id="{B97967F8-618A-448B-81FD-CDFD4AF0EC64}"/>
+                <a16:creationId xmlns:a16="http://schemas.microsoft.com/office/drawing/2014/main" xmlns="" id="{B97967F8-618A-448B-81FD-CDFD4AF0EC64}"/>
               </a:ext>
             </a:extLst>
           </p:cNvPr>
@@ -6174,7 +3876,7 @@
           <p:cNvPr id="26" name="Elbow Connector 78">
             <a:extLst>
               <a:ext uri="{FF2B5EF4-FFF2-40B4-BE49-F238E27FC236}">
-                <a16:creationId xmlns="" xmlns:a16="http://schemas.microsoft.com/office/drawing/2014/main" id="{B97967F8-618A-448B-81FD-CDFD4AF0EC64}"/>
+                <a16:creationId xmlns:a16="http://schemas.microsoft.com/office/drawing/2014/main" xmlns="" id="{B97967F8-618A-448B-81FD-CDFD4AF0EC64}"/>
               </a:ext>
             </a:extLst>
           </p:cNvPr>
@@ -6398,7 +4100,7 @@
           <p:cNvPr id="15" name="Elbow Connector 78">
             <a:extLst>
               <a:ext uri="{FF2B5EF4-FFF2-40B4-BE49-F238E27FC236}">
-                <a16:creationId xmlns="" xmlns:a16="http://schemas.microsoft.com/office/drawing/2014/main" id="{B97967F8-618A-448B-81FD-CDFD4AF0EC64}"/>
+                <a16:creationId xmlns:a16="http://schemas.microsoft.com/office/drawing/2014/main" xmlns="" id="{B97967F8-618A-448B-81FD-CDFD4AF0EC64}"/>
               </a:ext>
             </a:extLst>
           </p:cNvPr>
